--- a/Présentation/Projet_5.pptx
+++ b/Présentation/Projet_5.pptx
@@ -287,7 +287,7 @@
       </p15:sldGuideLst>
     </p:ext>
     <p:ext uri="http://customooxmlschemas.google.com/">
-      <go:slidesCustomData xmlns:go="http://customooxmlschemas.google.com/" r:id="rId26" roundtripDataSignature="AMtx7mjJcDlJAPFj7YrwyHWHkVq1F0v+gw=="/>
+      <go:slidesCustomData xmlns:go="http://customooxmlschemas.google.com/" r:id="rId26" roundtripDataSignature="AMtx7mjA7QgzSv9xhbC0eKkJf+KKxUao1w=="/>
     </p:ext>
   </p:extLst>
 </p:presentation>
@@ -3276,7 +3276,7 @@
             </a:custGeom>
             <a:solidFill>
               <a:srgbClr val="004591">
-                <a:alpha val="3529"/>
+                <a:alpha val="3137"/>
               </a:srgbClr>
             </a:solidFill>
             <a:ln>
@@ -4553,7 +4553,7 @@
             </a:custGeom>
             <a:solidFill>
               <a:srgbClr val="004591">
-                <a:alpha val="3529"/>
+                <a:alpha val="3137"/>
               </a:srgbClr>
             </a:solidFill>
             <a:ln>
@@ -5192,7 +5192,7 @@
             </a:custGeom>
             <a:solidFill>
               <a:srgbClr val="004591">
-                <a:alpha val="3529"/>
+                <a:alpha val="3137"/>
               </a:srgbClr>
             </a:solidFill>
             <a:ln>
@@ -6179,7 +6179,7 @@
             </a:custGeom>
             <a:solidFill>
               <a:srgbClr val="FFFFFF">
-                <a:alpha val="4313"/>
+                <a:alpha val="3921"/>
               </a:srgbClr>
             </a:solidFill>
             <a:ln>
@@ -7456,7 +7456,7 @@
             </a:custGeom>
             <a:solidFill>
               <a:srgbClr val="FFFFFF">
-                <a:alpha val="4313"/>
+                <a:alpha val="3921"/>
               </a:srgbClr>
             </a:solidFill>
             <a:ln>
@@ -8095,7 +8095,7 @@
             </a:custGeom>
             <a:solidFill>
               <a:srgbClr val="FFFFFF">
-                <a:alpha val="4313"/>
+                <a:alpha val="3921"/>
               </a:srgbClr>
             </a:solidFill>
             <a:ln>
@@ -8897,7 +8897,7 @@
             </a:custGeom>
             <a:solidFill>
               <a:srgbClr val="004591">
-                <a:alpha val="3529"/>
+                <a:alpha val="3137"/>
               </a:srgbClr>
             </a:solidFill>
             <a:ln>
@@ -9725,7 +9725,7 @@
             </a:custGeom>
             <a:solidFill>
               <a:srgbClr val="004591">
-                <a:alpha val="3529"/>
+                <a:alpha val="3137"/>
               </a:srgbClr>
             </a:solidFill>
             <a:ln>
@@ -10126,7 +10126,7 @@
             </a:custGeom>
             <a:solidFill>
               <a:srgbClr val="004591">
-                <a:alpha val="3529"/>
+                <a:alpha val="3137"/>
               </a:srgbClr>
             </a:solidFill>
             <a:ln>
@@ -11427,12 +11427,12 @@
               <a:gsLst>
                 <a:gs pos="0">
                   <a:srgbClr val="00D0FF">
-                    <a:alpha val="10588"/>
+                    <a:alpha val="10196"/>
                   </a:srgbClr>
                 </a:gs>
                 <a:gs pos="100000">
                   <a:srgbClr val="00D0FF">
-                    <a:alpha val="10588"/>
+                    <a:alpha val="10196"/>
                   </a:srgbClr>
                 </a:gs>
               </a:gsLst>
@@ -12715,7 +12715,7 @@
             </a:custGeom>
             <a:solidFill>
               <a:srgbClr val="00D0FF">
-                <a:alpha val="10588"/>
+                <a:alpha val="10196"/>
               </a:srgbClr>
             </a:solidFill>
             <a:ln>
@@ -13354,7 +13354,7 @@
             </a:custGeom>
             <a:solidFill>
               <a:srgbClr val="00D0FF">
-                <a:alpha val="10588"/>
+                <a:alpha val="10196"/>
               </a:srgbClr>
             </a:solidFill>
             <a:ln>
@@ -14281,7 +14281,7 @@
             </a:custGeom>
             <a:solidFill>
               <a:srgbClr val="005CC2">
-                <a:alpha val="7843"/>
+                <a:alpha val="7450"/>
               </a:srgbClr>
             </a:solidFill>
             <a:ln>
@@ -15558,7 +15558,7 @@
             </a:custGeom>
             <a:solidFill>
               <a:srgbClr val="005CC2">
-                <a:alpha val="7843"/>
+                <a:alpha val="7450"/>
               </a:srgbClr>
             </a:solidFill>
             <a:ln>
@@ -16197,7 +16197,7 @@
             </a:custGeom>
             <a:solidFill>
               <a:srgbClr val="005CC2">
-                <a:alpha val="7843"/>
+                <a:alpha val="7450"/>
               </a:srgbClr>
             </a:solidFill>
             <a:ln>
@@ -17286,7 +17286,7 @@
             </a:custGeom>
             <a:solidFill>
               <a:srgbClr val="005CC2">
-                <a:alpha val="7843"/>
+                <a:alpha val="7450"/>
               </a:srgbClr>
             </a:solidFill>
             <a:ln>
@@ -18563,7 +18563,7 @@
             </a:custGeom>
             <a:solidFill>
               <a:srgbClr val="005CC2">
-                <a:alpha val="7843"/>
+                <a:alpha val="7450"/>
               </a:srgbClr>
             </a:solidFill>
             <a:ln>
@@ -19202,7 +19202,7 @@
             </a:custGeom>
             <a:solidFill>
               <a:srgbClr val="005CC2">
-                <a:alpha val="7843"/>
+                <a:alpha val="7450"/>
               </a:srgbClr>
             </a:solidFill>
             <a:ln>
@@ -20289,7 +20289,7 @@
             </a:custGeom>
             <a:solidFill>
               <a:srgbClr val="004591">
-                <a:alpha val="3529"/>
+                <a:alpha val="3137"/>
               </a:srgbClr>
             </a:solidFill>
             <a:ln>
@@ -21117,7 +21117,7 @@
             </a:custGeom>
             <a:solidFill>
               <a:srgbClr val="004591">
-                <a:alpha val="3529"/>
+                <a:alpha val="3137"/>
               </a:srgbClr>
             </a:solidFill>
             <a:ln>
@@ -21518,7 +21518,7 @@
             </a:custGeom>
             <a:solidFill>
               <a:srgbClr val="004591">
-                <a:alpha val="3529"/>
+                <a:alpha val="3137"/>
               </a:srgbClr>
             </a:solidFill>
             <a:ln>
@@ -22788,7 +22788,7 @@
             </a:custGeom>
             <a:solidFill>
               <a:srgbClr val="004591">
-                <a:alpha val="3529"/>
+                <a:alpha val="3137"/>
               </a:srgbClr>
             </a:solidFill>
             <a:ln>
@@ -23616,7 +23616,7 @@
             </a:custGeom>
             <a:solidFill>
               <a:srgbClr val="004591">
-                <a:alpha val="3529"/>
+                <a:alpha val="3137"/>
               </a:srgbClr>
             </a:solidFill>
             <a:ln>
@@ -24017,7 +24017,7 @@
             </a:custGeom>
             <a:solidFill>
               <a:srgbClr val="004591">
-                <a:alpha val="3529"/>
+                <a:alpha val="3137"/>
               </a:srgbClr>
             </a:solidFill>
             <a:ln>
@@ -25443,7 +25443,7 @@
             </a:custGeom>
             <a:solidFill>
               <a:srgbClr val="004591">
-                <a:alpha val="3529"/>
+                <a:alpha val="3137"/>
               </a:srgbClr>
             </a:solidFill>
             <a:ln>
@@ -26271,7 +26271,7 @@
             </a:custGeom>
             <a:solidFill>
               <a:srgbClr val="004591">
-                <a:alpha val="3529"/>
+                <a:alpha val="3137"/>
               </a:srgbClr>
             </a:solidFill>
             <a:ln>
@@ -26672,7 +26672,7 @@
             </a:custGeom>
             <a:solidFill>
               <a:srgbClr val="004591">
-                <a:alpha val="3529"/>
+                <a:alpha val="3137"/>
               </a:srgbClr>
             </a:solidFill>
             <a:ln>
@@ -27630,7 +27630,7 @@
             </a:custGeom>
             <a:solidFill>
               <a:srgbClr val="004591">
-                <a:alpha val="3529"/>
+                <a:alpha val="3137"/>
               </a:srgbClr>
             </a:solidFill>
             <a:ln>
@@ -28458,7 +28458,7 @@
             </a:custGeom>
             <a:solidFill>
               <a:srgbClr val="004591">
-                <a:alpha val="3529"/>
+                <a:alpha val="3137"/>
               </a:srgbClr>
             </a:solidFill>
             <a:ln>
@@ -28859,7 +28859,7 @@
             </a:custGeom>
             <a:solidFill>
               <a:srgbClr val="004591">
-                <a:alpha val="3529"/>
+                <a:alpha val="3137"/>
               </a:srgbClr>
             </a:solidFill>
             <a:ln>
@@ -31400,7 +31400,7 @@
         <p:spPr>
           <a:xfrm>
             <a:off x="855300" y="1148950"/>
-            <a:ext cx="4997700" cy="3668100"/>
+            <a:ext cx="4997700" cy="3671400"/>
           </a:xfrm>
           <a:prstGeom prst="rect">
             <a:avLst/>
@@ -31511,11 +31511,7 @@
             </a:pPr>
             <a:r>
               <a:rPr lang="fr" sz="1700"/>
-              <a:t>Design thinking</a:t>
-            </a:r>
-            <a:r>
-              <a:rPr lang="fr" sz="1700"/>
-              <a:t> - niveau 1</a:t>
+              <a:t>Design thinking - niveau 1</a:t>
             </a:r>
             <a:endParaRPr sz="1700"/>
           </a:p>
@@ -32123,6 +32119,285 @@
 </file>
 
 <file path=ppt/theme/theme1.xml><?xml version="1.0" encoding="utf-8"?>
+<a:theme xmlns:a="http://schemas.openxmlformats.org/drawingml/2006/main" xmlns:r="http://schemas.openxmlformats.org/officeDocument/2006/relationships" name="Nicholas template">
+  <a:themeElements>
+    <a:clrScheme name="Custom 347">
+      <a:dk1>
+        <a:srgbClr val="1E2124"/>
+      </a:dk1>
+      <a:lt1>
+        <a:srgbClr val="FFFFFF"/>
+      </a:lt1>
+      <a:dk2>
+        <a:srgbClr val="7C8894"/>
+      </a:dk2>
+      <a:lt2>
+        <a:srgbClr val="E6ECEE"/>
+      </a:lt2>
+      <a:accent1>
+        <a:srgbClr val="2AC3F3"/>
+      </a:accent1>
+      <a:accent2>
+        <a:srgbClr val="004591"/>
+      </a:accent2>
+      <a:accent3>
+        <a:srgbClr val="6BD8B6"/>
+      </a:accent3>
+      <a:accent4>
+        <a:srgbClr val="A9E04B"/>
+      </a:accent4>
+      <a:accent5>
+        <a:srgbClr val="F3C744"/>
+      </a:accent5>
+      <a:accent6>
+        <a:srgbClr val="F37768"/>
+      </a:accent6>
+      <a:hlink>
+        <a:srgbClr val="003C7E"/>
+      </a:hlink>
+      <a:folHlink>
+        <a:srgbClr val="6611CC"/>
+      </a:folHlink>
+    </a:clrScheme>
+    <a:fontScheme name="Office">
+      <a:majorFont>
+        <a:latin typeface="Arial"/>
+        <a:ea typeface=""/>
+        <a:cs typeface=""/>
+        <a:font script="Jpan" typeface="ＭＳ Ｐゴシック"/>
+        <a:font script="Hang" typeface="맑은 고딕"/>
+        <a:font script="Hans" typeface="宋体"/>
+        <a:font script="Hant" typeface="新細明體"/>
+        <a:font script="Arab" typeface="Times New Roman"/>
+        <a:font script="Hebr" typeface="Times New Roman"/>
+        <a:font script="Thai" typeface="Angsana New"/>
+        <a:font script="Ethi" typeface="Nyala"/>
+        <a:font script="Beng" typeface="Vrinda"/>
+        <a:font script="Gujr" typeface="Shruti"/>
+        <a:font script="Khmr" typeface="MoolBoran"/>
+        <a:font script="Knda" typeface="Tunga"/>
+        <a:font script="Guru" typeface="Raavi"/>
+        <a:font script="Cans" typeface="Euphemia"/>
+        <a:font script="Cher" typeface="Plantagenet Cherokee"/>
+        <a:font script="Yiii" typeface="Microsoft Yi Baiti"/>
+        <a:font script="Tibt" typeface="Microsoft Himalaya"/>
+        <a:font script="Thaa" typeface="MV Boli"/>
+        <a:font script="Deva" typeface="Mangal"/>
+        <a:font script="Telu" typeface="Gautami"/>
+        <a:font script="Taml" typeface="Latha"/>
+        <a:font script="Syrc" typeface="Estrangelo Edessa"/>
+        <a:font script="Orya" typeface="Kalinga"/>
+        <a:font script="Mlym" typeface="Kartika"/>
+        <a:font script="Laoo" typeface="DokChampa"/>
+        <a:font script="Sinh" typeface="Iskoola Pota"/>
+        <a:font script="Mong" typeface="Mongolian Baiti"/>
+        <a:font script="Viet" typeface="Times New Roman"/>
+        <a:font script="Uigh" typeface="Microsoft Uighur"/>
+        <a:font script="Geor" typeface="Sylfaen"/>
+      </a:majorFont>
+      <a:minorFont>
+        <a:latin typeface="Arial"/>
+        <a:ea typeface=""/>
+        <a:cs typeface=""/>
+        <a:font script="Jpan" typeface="ＭＳ Ｐゴシック"/>
+        <a:font script="Hang" typeface="맑은 고딕"/>
+        <a:font script="Hans" typeface="宋体"/>
+        <a:font script="Hant" typeface="新細明體"/>
+        <a:font script="Arab" typeface="Arial"/>
+        <a:font script="Hebr" typeface="Arial"/>
+        <a:font script="Thai" typeface="Cordia New"/>
+        <a:font script="Ethi" typeface="Nyala"/>
+        <a:font script="Beng" typeface="Vrinda"/>
+        <a:font script="Gujr" typeface="Shruti"/>
+        <a:font script="Khmr" typeface="DaunPenh"/>
+        <a:font script="Knda" typeface="Tunga"/>
+        <a:font script="Guru" typeface="Raavi"/>
+        <a:font script="Cans" typeface="Euphemia"/>
+        <a:font script="Cher" typeface="Plantagenet Cherokee"/>
+        <a:font script="Yiii" typeface="Microsoft Yi Baiti"/>
+        <a:font script="Tibt" typeface="Microsoft Himalaya"/>
+        <a:font script="Thaa" typeface="MV Boli"/>
+        <a:font script="Deva" typeface="Mangal"/>
+        <a:font script="Telu" typeface="Gautami"/>
+        <a:font script="Taml" typeface="Latha"/>
+        <a:font script="Syrc" typeface="Estrangelo Edessa"/>
+        <a:font script="Orya" typeface="Kalinga"/>
+        <a:font script="Mlym" typeface="Kartika"/>
+        <a:font script="Laoo" typeface="DokChampa"/>
+        <a:font script="Sinh" typeface="Iskoola Pota"/>
+        <a:font script="Mong" typeface="Mongolian Baiti"/>
+        <a:font script="Viet" typeface="Arial"/>
+        <a:font script="Uigh" typeface="Microsoft Uighur"/>
+        <a:font script="Geor" typeface="Sylfaen"/>
+      </a:minorFont>
+    </a:fontScheme>
+    <a:fmtScheme name="Office">
+      <a:fillStyleLst>
+        <a:solidFill>
+          <a:schemeClr val="phClr"/>
+        </a:solidFill>
+        <a:gradFill rotWithShape="1">
+          <a:gsLst>
+            <a:gs pos="0">
+              <a:schemeClr val="phClr">
+                <a:tint val="50000"/>
+                <a:satMod val="300000"/>
+              </a:schemeClr>
+            </a:gs>
+            <a:gs pos="35000">
+              <a:schemeClr val="phClr">
+                <a:tint val="37000"/>
+                <a:satMod val="300000"/>
+              </a:schemeClr>
+            </a:gs>
+            <a:gs pos="100000">
+              <a:schemeClr val="phClr">
+                <a:tint val="15000"/>
+                <a:satMod val="350000"/>
+              </a:schemeClr>
+            </a:gs>
+          </a:gsLst>
+          <a:lin ang="16200000" scaled="1"/>
+        </a:gradFill>
+        <a:gradFill rotWithShape="1">
+          <a:gsLst>
+            <a:gs pos="0">
+              <a:schemeClr val="phClr">
+                <a:tint val="100000"/>
+                <a:shade val="100000"/>
+                <a:satMod val="130000"/>
+              </a:schemeClr>
+            </a:gs>
+            <a:gs pos="100000">
+              <a:schemeClr val="phClr">
+                <a:tint val="50000"/>
+                <a:shade val="100000"/>
+                <a:satMod val="350000"/>
+              </a:schemeClr>
+            </a:gs>
+          </a:gsLst>
+          <a:lin ang="16200000" scaled="0"/>
+        </a:gradFill>
+      </a:fillStyleLst>
+      <a:lnStyleLst>
+        <a:ln w="9525" cap="flat" cmpd="sng" algn="ctr">
+          <a:solidFill>
+            <a:schemeClr val="phClr">
+              <a:shade val="95000"/>
+              <a:satMod val="105000"/>
+            </a:schemeClr>
+          </a:solidFill>
+          <a:prstDash val="solid"/>
+        </a:ln>
+        <a:ln w="25400" cap="flat" cmpd="sng" algn="ctr">
+          <a:solidFill>
+            <a:schemeClr val="phClr"/>
+          </a:solidFill>
+          <a:prstDash val="solid"/>
+        </a:ln>
+        <a:ln w="38100" cap="flat" cmpd="sng" algn="ctr">
+          <a:solidFill>
+            <a:schemeClr val="phClr"/>
+          </a:solidFill>
+          <a:prstDash val="solid"/>
+        </a:ln>
+      </a:lnStyleLst>
+      <a:effectStyleLst>
+        <a:effectStyle>
+          <a:effectLst>
+            <a:outerShdw blurRad="40000" dist="20000" dir="5400000" rotWithShape="0">
+              <a:srgbClr val="000000">
+                <a:alpha val="38000"/>
+              </a:srgbClr>
+            </a:outerShdw>
+          </a:effectLst>
+        </a:effectStyle>
+        <a:effectStyle>
+          <a:effectLst>
+            <a:outerShdw blurRad="40000" dist="23000" dir="5400000" rotWithShape="0">
+              <a:srgbClr val="000000">
+                <a:alpha val="35000"/>
+              </a:srgbClr>
+            </a:outerShdw>
+          </a:effectLst>
+        </a:effectStyle>
+        <a:effectStyle>
+          <a:effectLst>
+            <a:outerShdw blurRad="40000" dist="23000" dir="5400000" rotWithShape="0">
+              <a:srgbClr val="000000">
+                <a:alpha val="35000"/>
+              </a:srgbClr>
+            </a:outerShdw>
+          </a:effectLst>
+          <a:scene3d>
+            <a:camera prst="orthographicFront">
+              <a:rot lat="0" lon="0" rev="0"/>
+            </a:camera>
+            <a:lightRig rig="threePt" dir="t">
+              <a:rot lat="0" lon="0" rev="1200000"/>
+            </a:lightRig>
+          </a:scene3d>
+          <a:sp3d>
+            <a:bevelT w="63500" h="25400"/>
+          </a:sp3d>
+        </a:effectStyle>
+      </a:effectStyleLst>
+      <a:bgFillStyleLst>
+        <a:solidFill>
+          <a:schemeClr val="phClr"/>
+        </a:solidFill>
+        <a:gradFill rotWithShape="1">
+          <a:gsLst>
+            <a:gs pos="0">
+              <a:schemeClr val="phClr">
+                <a:tint val="40000"/>
+                <a:satMod val="350000"/>
+              </a:schemeClr>
+            </a:gs>
+            <a:gs pos="40000">
+              <a:schemeClr val="phClr">
+                <a:tint val="45000"/>
+                <a:shade val="99000"/>
+                <a:satMod val="350000"/>
+              </a:schemeClr>
+            </a:gs>
+            <a:gs pos="100000">
+              <a:schemeClr val="phClr">
+                <a:shade val="20000"/>
+                <a:satMod val="255000"/>
+              </a:schemeClr>
+            </a:gs>
+          </a:gsLst>
+          <a:path path="circle">
+            <a:fillToRect l="50000" t="-80000" r="50000" b="180000"/>
+          </a:path>
+        </a:gradFill>
+        <a:gradFill rotWithShape="1">
+          <a:gsLst>
+            <a:gs pos="0">
+              <a:schemeClr val="phClr">
+                <a:tint val="80000"/>
+                <a:satMod val="300000"/>
+              </a:schemeClr>
+            </a:gs>
+            <a:gs pos="100000">
+              <a:schemeClr val="phClr">
+                <a:shade val="30000"/>
+                <a:satMod val="200000"/>
+              </a:schemeClr>
+            </a:gs>
+          </a:gsLst>
+          <a:path path="circle">
+            <a:fillToRect l="50000" t="50000" r="50000" b="50000"/>
+          </a:path>
+        </a:gradFill>
+      </a:bgFillStyleLst>
+    </a:fmtScheme>
+  </a:themeElements>
+</a:theme>
+</file>
+
+<file path=ppt/theme/theme2.xml><?xml version="1.0" encoding="utf-8"?>
 <a:theme xmlns:a="http://schemas.openxmlformats.org/drawingml/2006/main" xmlns:r="http://schemas.openxmlformats.org/officeDocument/2006/relationships">
   <a:themeElements>
     <a:clrScheme name="Default">
@@ -32399,283 +32674,4 @@
     </a:fmtScheme>
   </a:themeElements>
 </a:theme>
-</file>
-
-<file path=ppt/theme/theme2.xml><?xml version="1.0" encoding="utf-8"?>
-<a:theme xmlns:a="http://schemas.openxmlformats.org/drawingml/2006/main" xmlns:r="http://schemas.openxmlformats.org/officeDocument/2006/relationships" name="Nicholas template">
-  <a:themeElements>
-    <a:clrScheme name="Custom 347">
-      <a:dk1>
-        <a:srgbClr val="1E2124"/>
-      </a:dk1>
-      <a:lt1>
-        <a:srgbClr val="FFFFFF"/>
-      </a:lt1>
-      <a:dk2>
-        <a:srgbClr val="7C8894"/>
-      </a:dk2>
-      <a:lt2>
-        <a:srgbClr val="E6ECEE"/>
-      </a:lt2>
-      <a:accent1>
-        <a:srgbClr val="2AC3F3"/>
-      </a:accent1>
-      <a:accent2>
-        <a:srgbClr val="004591"/>
-      </a:accent2>
-      <a:accent3>
-        <a:srgbClr val="6BD8B6"/>
-      </a:accent3>
-      <a:accent4>
-        <a:srgbClr val="A9E04B"/>
-      </a:accent4>
-      <a:accent5>
-        <a:srgbClr val="F3C744"/>
-      </a:accent5>
-      <a:accent6>
-        <a:srgbClr val="F37768"/>
-      </a:accent6>
-      <a:hlink>
-        <a:srgbClr val="003C7E"/>
-      </a:hlink>
-      <a:folHlink>
-        <a:srgbClr val="6611CC"/>
-      </a:folHlink>
-    </a:clrScheme>
-    <a:fontScheme name="Office">
-      <a:majorFont>
-        <a:latin typeface="Arial"/>
-        <a:ea typeface=""/>
-        <a:cs typeface=""/>
-        <a:font script="Jpan" typeface="ＭＳ Ｐゴシック"/>
-        <a:font script="Hang" typeface="맑은 고딕"/>
-        <a:font script="Hans" typeface="宋体"/>
-        <a:font script="Hant" typeface="新細明體"/>
-        <a:font script="Arab" typeface="Times New Roman"/>
-        <a:font script="Hebr" typeface="Times New Roman"/>
-        <a:font script="Thai" typeface="Angsana New"/>
-        <a:font script="Ethi" typeface="Nyala"/>
-        <a:font script="Beng" typeface="Vrinda"/>
-        <a:font script="Gujr" typeface="Shruti"/>
-        <a:font script="Khmr" typeface="MoolBoran"/>
-        <a:font script="Knda" typeface="Tunga"/>
-        <a:font script="Guru" typeface="Raavi"/>
-        <a:font script="Cans" typeface="Euphemia"/>
-        <a:font script="Cher" typeface="Plantagenet Cherokee"/>
-        <a:font script="Yiii" typeface="Microsoft Yi Baiti"/>
-        <a:font script="Tibt" typeface="Microsoft Himalaya"/>
-        <a:font script="Thaa" typeface="MV Boli"/>
-        <a:font script="Deva" typeface="Mangal"/>
-        <a:font script="Telu" typeface="Gautami"/>
-        <a:font script="Taml" typeface="Latha"/>
-        <a:font script="Syrc" typeface="Estrangelo Edessa"/>
-        <a:font script="Orya" typeface="Kalinga"/>
-        <a:font script="Mlym" typeface="Kartika"/>
-        <a:font script="Laoo" typeface="DokChampa"/>
-        <a:font script="Sinh" typeface="Iskoola Pota"/>
-        <a:font script="Mong" typeface="Mongolian Baiti"/>
-        <a:font script="Viet" typeface="Times New Roman"/>
-        <a:font script="Uigh" typeface="Microsoft Uighur"/>
-        <a:font script="Geor" typeface="Sylfaen"/>
-      </a:majorFont>
-      <a:minorFont>
-        <a:latin typeface="Arial"/>
-        <a:ea typeface=""/>
-        <a:cs typeface=""/>
-        <a:font script="Jpan" typeface="ＭＳ Ｐゴシック"/>
-        <a:font script="Hang" typeface="맑은 고딕"/>
-        <a:font script="Hans" typeface="宋体"/>
-        <a:font script="Hant" typeface="新細明體"/>
-        <a:font script="Arab" typeface="Arial"/>
-        <a:font script="Hebr" typeface="Arial"/>
-        <a:font script="Thai" typeface="Cordia New"/>
-        <a:font script="Ethi" typeface="Nyala"/>
-        <a:font script="Beng" typeface="Vrinda"/>
-        <a:font script="Gujr" typeface="Shruti"/>
-        <a:font script="Khmr" typeface="DaunPenh"/>
-        <a:font script="Knda" typeface="Tunga"/>
-        <a:font script="Guru" typeface="Raavi"/>
-        <a:font script="Cans" typeface="Euphemia"/>
-        <a:font script="Cher" typeface="Plantagenet Cherokee"/>
-        <a:font script="Yiii" typeface="Microsoft Yi Baiti"/>
-        <a:font script="Tibt" typeface="Microsoft Himalaya"/>
-        <a:font script="Thaa" typeface="MV Boli"/>
-        <a:font script="Deva" typeface="Mangal"/>
-        <a:font script="Telu" typeface="Gautami"/>
-        <a:font script="Taml" typeface="Latha"/>
-        <a:font script="Syrc" typeface="Estrangelo Edessa"/>
-        <a:font script="Orya" typeface="Kalinga"/>
-        <a:font script="Mlym" typeface="Kartika"/>
-        <a:font script="Laoo" typeface="DokChampa"/>
-        <a:font script="Sinh" typeface="Iskoola Pota"/>
-        <a:font script="Mong" typeface="Mongolian Baiti"/>
-        <a:font script="Viet" typeface="Arial"/>
-        <a:font script="Uigh" typeface="Microsoft Uighur"/>
-        <a:font script="Geor" typeface="Sylfaen"/>
-      </a:minorFont>
-    </a:fontScheme>
-    <a:fmtScheme name="Office">
-      <a:fillStyleLst>
-        <a:solidFill>
-          <a:schemeClr val="phClr"/>
-        </a:solidFill>
-        <a:gradFill rotWithShape="1">
-          <a:gsLst>
-            <a:gs pos="0">
-              <a:schemeClr val="phClr">
-                <a:tint val="50000"/>
-                <a:satMod val="300000"/>
-              </a:schemeClr>
-            </a:gs>
-            <a:gs pos="35000">
-              <a:schemeClr val="phClr">
-                <a:tint val="37000"/>
-                <a:satMod val="300000"/>
-              </a:schemeClr>
-            </a:gs>
-            <a:gs pos="100000">
-              <a:schemeClr val="phClr">
-                <a:tint val="15000"/>
-                <a:satMod val="350000"/>
-              </a:schemeClr>
-            </a:gs>
-          </a:gsLst>
-          <a:lin ang="16200000" scaled="1"/>
-        </a:gradFill>
-        <a:gradFill rotWithShape="1">
-          <a:gsLst>
-            <a:gs pos="0">
-              <a:schemeClr val="phClr">
-                <a:tint val="100000"/>
-                <a:shade val="100000"/>
-                <a:satMod val="130000"/>
-              </a:schemeClr>
-            </a:gs>
-            <a:gs pos="100000">
-              <a:schemeClr val="phClr">
-                <a:tint val="50000"/>
-                <a:shade val="100000"/>
-                <a:satMod val="350000"/>
-              </a:schemeClr>
-            </a:gs>
-          </a:gsLst>
-          <a:lin ang="16200000" scaled="0"/>
-        </a:gradFill>
-      </a:fillStyleLst>
-      <a:lnStyleLst>
-        <a:ln w="9525" cap="flat" cmpd="sng" algn="ctr">
-          <a:solidFill>
-            <a:schemeClr val="phClr">
-              <a:shade val="95000"/>
-              <a:satMod val="105000"/>
-            </a:schemeClr>
-          </a:solidFill>
-          <a:prstDash val="solid"/>
-        </a:ln>
-        <a:ln w="25400" cap="flat" cmpd="sng" algn="ctr">
-          <a:solidFill>
-            <a:schemeClr val="phClr"/>
-          </a:solidFill>
-          <a:prstDash val="solid"/>
-        </a:ln>
-        <a:ln w="38100" cap="flat" cmpd="sng" algn="ctr">
-          <a:solidFill>
-            <a:schemeClr val="phClr"/>
-          </a:solidFill>
-          <a:prstDash val="solid"/>
-        </a:ln>
-      </a:lnStyleLst>
-      <a:effectStyleLst>
-        <a:effectStyle>
-          <a:effectLst>
-            <a:outerShdw blurRad="40000" dist="20000" dir="5400000" rotWithShape="0">
-              <a:srgbClr val="000000">
-                <a:alpha val="38000"/>
-              </a:srgbClr>
-            </a:outerShdw>
-          </a:effectLst>
-        </a:effectStyle>
-        <a:effectStyle>
-          <a:effectLst>
-            <a:outerShdw blurRad="40000" dist="23000" dir="5400000" rotWithShape="0">
-              <a:srgbClr val="000000">
-                <a:alpha val="35000"/>
-              </a:srgbClr>
-            </a:outerShdw>
-          </a:effectLst>
-        </a:effectStyle>
-        <a:effectStyle>
-          <a:effectLst>
-            <a:outerShdw blurRad="40000" dist="23000" dir="5400000" rotWithShape="0">
-              <a:srgbClr val="000000">
-                <a:alpha val="35000"/>
-              </a:srgbClr>
-            </a:outerShdw>
-          </a:effectLst>
-          <a:scene3d>
-            <a:camera prst="orthographicFront">
-              <a:rot lat="0" lon="0" rev="0"/>
-            </a:camera>
-            <a:lightRig rig="threePt" dir="t">
-              <a:rot lat="0" lon="0" rev="1200000"/>
-            </a:lightRig>
-          </a:scene3d>
-          <a:sp3d>
-            <a:bevelT w="63500" h="25400"/>
-          </a:sp3d>
-        </a:effectStyle>
-      </a:effectStyleLst>
-      <a:bgFillStyleLst>
-        <a:solidFill>
-          <a:schemeClr val="phClr"/>
-        </a:solidFill>
-        <a:gradFill rotWithShape="1">
-          <a:gsLst>
-            <a:gs pos="0">
-              <a:schemeClr val="phClr">
-                <a:tint val="40000"/>
-                <a:satMod val="350000"/>
-              </a:schemeClr>
-            </a:gs>
-            <a:gs pos="40000">
-              <a:schemeClr val="phClr">
-                <a:tint val="45000"/>
-                <a:shade val="99000"/>
-                <a:satMod val="350000"/>
-              </a:schemeClr>
-            </a:gs>
-            <a:gs pos="100000">
-              <a:schemeClr val="phClr">
-                <a:shade val="20000"/>
-                <a:satMod val="255000"/>
-              </a:schemeClr>
-            </a:gs>
-          </a:gsLst>
-          <a:path path="circle">
-            <a:fillToRect l="50000" t="-80000" r="50000" b="180000"/>
-          </a:path>
-        </a:gradFill>
-        <a:gradFill rotWithShape="1">
-          <a:gsLst>
-            <a:gs pos="0">
-              <a:schemeClr val="phClr">
-                <a:tint val="80000"/>
-                <a:satMod val="300000"/>
-              </a:schemeClr>
-            </a:gs>
-            <a:gs pos="100000">
-              <a:schemeClr val="phClr">
-                <a:shade val="30000"/>
-                <a:satMod val="200000"/>
-              </a:schemeClr>
-            </a:gs>
-          </a:gsLst>
-          <a:path path="circle">
-            <a:fillToRect l="50000" t="50000" r="50000" b="50000"/>
-          </a:path>
-        </a:gradFill>
-      </a:bgFillStyleLst>
-    </a:fmtScheme>
-  </a:themeElements>
-</a:theme>
 </file>
--- a/Présentation/Projet_5.pptx
+++ b/Présentation/Projet_5.pptx
@@ -18,28 +18,29 @@
     <p:sldId id="263" r:id="rId13"/>
     <p:sldId id="264" r:id="rId14"/>
     <p:sldId id="265" r:id="rId15"/>
+    <p:sldId id="266" r:id="rId16"/>
   </p:sldIdLst>
   <p:sldSz cy="5143500" cx="9144000"/>
   <p:notesSz cx="6858000" cy="9144000"/>
   <p:embeddedFontLst>
     <p:embeddedFont>
       <p:font typeface="Montserrat"/>
-      <p:regular r:id="rId16"/>
-      <p:bold r:id="rId17"/>
-      <p:italic r:id="rId18"/>
-      <p:boldItalic r:id="rId19"/>
+      <p:regular r:id="rId17"/>
+      <p:bold r:id="rId18"/>
+      <p:italic r:id="rId19"/>
+      <p:boldItalic r:id="rId20"/>
     </p:embeddedFont>
     <p:embeddedFont>
       <p:font typeface="Tahoma"/>
-      <p:regular r:id="rId20"/>
-      <p:bold r:id="rId21"/>
+      <p:regular r:id="rId21"/>
+      <p:bold r:id="rId22"/>
     </p:embeddedFont>
     <p:embeddedFont>
       <p:font typeface="Montserrat Light"/>
-      <p:regular r:id="rId22"/>
-      <p:bold r:id="rId23"/>
-      <p:italic r:id="rId24"/>
-      <p:boldItalic r:id="rId25"/>
+      <p:regular r:id="rId23"/>
+      <p:bold r:id="rId24"/>
+      <p:italic r:id="rId25"/>
+      <p:boldItalic r:id="rId26"/>
     </p:embeddedFont>
   </p:embeddedFontLst>
   <p:defaultTextStyle>
@@ -287,7 +288,7 @@
       </p15:sldGuideLst>
     </p:ext>
     <p:ext uri="http://customooxmlschemas.google.com/">
-      <go:slidesCustomData xmlns:go="http://customooxmlschemas.google.com/" r:id="rId26" roundtripDataSignature="AMtx7mjA7QgzSv9xhbC0eKkJf+KKxUao1w=="/>
+      <go:slidesCustomData xmlns:go="http://customooxmlschemas.google.com/" r:id="rId27" roundtripDataSignature="AMtx7mjq/SBw9qnfMrsOxmWz9MDuqc4iRw=="/>
     </p:ext>
   </p:extLst>
 </p:presentation>
@@ -976,7 +977,7 @@
   <p:cSld>
     <p:spTree>
       <p:nvGrpSpPr>
-        <p:cNvPr id="137" name="Shape 137"/>
+        <p:cNvPr id="150" name="Shape 150"/>
         <p:cNvGrpSpPr/>
         <p:nvPr/>
       </p:nvGrpSpPr>
@@ -990,7 +991,7 @@
       </p:grpSpPr>
       <p:sp>
         <p:nvSpPr>
-          <p:cNvPr id="138" name="Google Shape;138;gbd65639415_1_38:notes"/>
+          <p:cNvPr id="151" name="Google Shape;151;gbd65639415_1_33:notes"/>
           <p:cNvSpPr/>
           <p:nvPr>
             <p:ph idx="2" type="sldImg"/>
@@ -1035,7 +1036,124 @@
       </p:sp>
       <p:sp>
         <p:nvSpPr>
-          <p:cNvPr id="139" name="Google Shape;139;gbd65639415_1_38:notes"/>
+          <p:cNvPr id="152" name="Google Shape;152;gbd65639415_1_33:notes"/>
+          <p:cNvSpPr txBox="1"/>
+          <p:nvPr>
+            <p:ph idx="1" type="body"/>
+          </p:nvPr>
+        </p:nvSpPr>
+        <p:spPr>
+          <a:xfrm>
+            <a:off x="685800" y="4343400"/>
+            <a:ext cx="5486400" cy="4114800"/>
+          </a:xfrm>
+          <a:prstGeom prst="rect">
+            <a:avLst/>
+          </a:prstGeom>
+          <a:noFill/>
+          <a:ln>
+            <a:noFill/>
+          </a:ln>
+        </p:spPr>
+        <p:txBody>
+          <a:bodyPr anchorCtr="0" anchor="t" bIns="91425" lIns="91425" spcFirstLastPara="1" rIns="91425" wrap="square" tIns="91425">
+            <a:noAutofit/>
+          </a:bodyPr>
+          <a:lstStyle/>
+          <a:p>
+            <a:pPr indent="0" lvl="0" marL="0" rtl="0" algn="l">
+              <a:lnSpc>
+                <a:spcPct val="100000"/>
+              </a:lnSpc>
+              <a:spcBef>
+                <a:spcPts val="0"/>
+              </a:spcBef>
+              <a:spcAft>
+                <a:spcPts val="0"/>
+              </a:spcAft>
+              <a:buSzPts val="1100"/>
+              <a:buNone/>
+            </a:pPr>
+            <a:r>
+              <a:t/>
+            </a:r>
+            <a:endParaRPr/>
+          </a:p>
+        </p:txBody>
+      </p:sp>
+    </p:spTree>
+  </p:cSld>
+  <p:clrMapOvr>
+    <a:masterClrMapping/>
+  </p:clrMapOvr>
+</p:notes>
+</file>
+
+<file path=ppt/notesSlides/notesSlide11.xml><?xml version="1.0" encoding="utf-8"?>
+<p:notes xmlns:a="http://schemas.openxmlformats.org/drawingml/2006/main" xmlns:r="http://schemas.openxmlformats.org/officeDocument/2006/relationships" xmlns:mc="http://schemas.openxmlformats.org/markup-compatibility/2006" xmlns:mv="urn:schemas-microsoft-com:mac:vml" xmlns:p="http://schemas.openxmlformats.org/presentationml/2006/main" xmlns:c="http://schemas.openxmlformats.org/drawingml/2006/chart" xmlns:dgm="http://schemas.openxmlformats.org/drawingml/2006/diagram" xmlns:o="urn:schemas-microsoft-com:office:office" xmlns:v="urn:schemas-microsoft-com:vml" xmlns:pvml="urn:schemas-microsoft-com:office:powerpoint" xmlns:com="http://schemas.openxmlformats.org/drawingml/2006/compatibility" xmlns:p14="http://schemas.microsoft.com/office/powerpoint/2010/main" xmlns:p15="http://schemas.microsoft.com/office/powerpoint/2012/main" xmlns:ahyp="http://schemas.microsoft.com/office/drawing/2018/hyperlinkcolor" showMasterPhAnim="0" showMasterSp="0">
+  <p:cSld>
+    <p:spTree>
+      <p:nvGrpSpPr>
+        <p:cNvPr id="155" name="Shape 155"/>
+        <p:cNvGrpSpPr/>
+        <p:nvPr/>
+      </p:nvGrpSpPr>
+      <p:grpSpPr>
+        <a:xfrm>
+          <a:off x="0" y="0"/>
+          <a:ext cx="0" cy="0"/>
+          <a:chOff x="0" y="0"/>
+          <a:chExt cx="0" cy="0"/>
+        </a:xfrm>
+      </p:grpSpPr>
+      <p:sp>
+        <p:nvSpPr>
+          <p:cNvPr id="156" name="Google Shape;156;gbd65639415_1_38:notes"/>
+          <p:cNvSpPr/>
+          <p:nvPr>
+            <p:ph idx="2" type="sldImg"/>
+          </p:nvPr>
+        </p:nvSpPr>
+        <p:spPr>
+          <a:xfrm>
+            <a:off x="381300" y="685800"/>
+            <a:ext cx="6096000" cy="3429000"/>
+          </a:xfrm>
+          <a:custGeom>
+            <a:rect b="b" l="l" r="r" t="t"/>
+            <a:pathLst>
+              <a:path extrusionOk="0" h="120000" w="120000">
+                <a:moveTo>
+                  <a:pt x="0" y="0"/>
+                </a:moveTo>
+                <a:lnTo>
+                  <a:pt x="120000" y="0"/>
+                </a:lnTo>
+                <a:lnTo>
+                  <a:pt x="120000" y="120000"/>
+                </a:lnTo>
+                <a:lnTo>
+                  <a:pt x="0" y="120000"/>
+                </a:lnTo>
+                <a:close/>
+              </a:path>
+            </a:pathLst>
+          </a:custGeom>
+          <a:noFill/>
+          <a:ln cap="flat" cmpd="sng" w="9525">
+            <a:solidFill>
+              <a:srgbClr val="000000"/>
+            </a:solidFill>
+            <a:prstDash val="solid"/>
+            <a:round/>
+            <a:headEnd len="sm" w="sm" type="none"/>
+            <a:tailEnd len="sm" w="sm" type="none"/>
+          </a:ln>
+        </p:spPr>
+      </p:sp>
+      <p:sp>
+        <p:nvSpPr>
+          <p:cNvPr id="157" name="Google Shape;157;gbd65639415_1_38:notes"/>
           <p:cNvSpPr txBox="1"/>
           <p:nvPr>
             <p:ph idx="1" type="body"/>
@@ -1561,7 +1679,7 @@
   <p:cSld>
     <p:spTree>
       <p:nvGrpSpPr>
-        <p:cNvPr id="117" name="Shape 117"/>
+        <p:cNvPr id="123" name="Shape 123"/>
         <p:cNvGrpSpPr/>
         <p:nvPr/>
       </p:nvGrpSpPr>
@@ -1575,7 +1693,7 @@
       </p:grpSpPr>
       <p:sp>
         <p:nvSpPr>
-          <p:cNvPr id="118" name="Google Shape;118;gbd65639415_1_18:notes"/>
+          <p:cNvPr id="124" name="Google Shape;124;gbd65639415_1_18:notes"/>
           <p:cNvSpPr/>
           <p:nvPr>
             <p:ph idx="2" type="sldImg"/>
@@ -1620,7 +1738,7 @@
       </p:sp>
       <p:sp>
         <p:nvSpPr>
-          <p:cNvPr id="119" name="Google Shape;119;gbd65639415_1_18:notes"/>
+          <p:cNvPr id="125" name="Google Shape;125;gbd65639415_1_18:notes"/>
           <p:cNvSpPr txBox="1"/>
           <p:nvPr>
             <p:ph idx="1" type="body"/>
@@ -1678,7 +1796,7 @@
   <p:cSld>
     <p:spTree>
       <p:nvGrpSpPr>
-        <p:cNvPr id="122" name="Shape 122"/>
+        <p:cNvPr id="132" name="Shape 132"/>
         <p:cNvGrpSpPr/>
         <p:nvPr/>
       </p:nvGrpSpPr>
@@ -1692,7 +1810,7 @@
       </p:grpSpPr>
       <p:sp>
         <p:nvSpPr>
-          <p:cNvPr id="123" name="Google Shape;123;gbd65639415_1_23:notes"/>
+          <p:cNvPr id="133" name="Google Shape;133;gbe6b11afb9_0_18:notes"/>
           <p:cNvSpPr/>
           <p:nvPr>
             <p:ph idx="2" type="sldImg"/>
@@ -1737,7 +1855,7 @@
       </p:sp>
       <p:sp>
         <p:nvSpPr>
-          <p:cNvPr id="124" name="Google Shape;124;gbd65639415_1_23:notes"/>
+          <p:cNvPr id="134" name="Google Shape;134;gbe6b11afb9_0_18:notes"/>
           <p:cNvSpPr txBox="1"/>
           <p:nvPr>
             <p:ph idx="1" type="body"/>
@@ -1795,7 +1913,7 @@
   <p:cSld>
     <p:spTree>
       <p:nvGrpSpPr>
-        <p:cNvPr id="127" name="Shape 127"/>
+        <p:cNvPr id="140" name="Shape 140"/>
         <p:cNvGrpSpPr/>
         <p:nvPr/>
       </p:nvGrpSpPr>
@@ -1809,7 +1927,7 @@
       </p:grpSpPr>
       <p:sp>
         <p:nvSpPr>
-          <p:cNvPr id="128" name="Google Shape;128;gbd65639415_1_28:notes"/>
+          <p:cNvPr id="141" name="Google Shape;141;gbd65639415_1_23:notes"/>
           <p:cNvSpPr/>
           <p:nvPr>
             <p:ph idx="2" type="sldImg"/>
@@ -1854,7 +1972,7 @@
       </p:sp>
       <p:sp>
         <p:nvSpPr>
-          <p:cNvPr id="129" name="Google Shape;129;gbd65639415_1_28:notes"/>
+          <p:cNvPr id="142" name="Google Shape;142;gbd65639415_1_23:notes"/>
           <p:cNvSpPr txBox="1"/>
           <p:nvPr>
             <p:ph idx="1" type="body"/>
@@ -1912,7 +2030,7 @@
   <p:cSld>
     <p:spTree>
       <p:nvGrpSpPr>
-        <p:cNvPr id="132" name="Shape 132"/>
+        <p:cNvPr id="145" name="Shape 145"/>
         <p:cNvGrpSpPr/>
         <p:nvPr/>
       </p:nvGrpSpPr>
@@ -1926,7 +2044,7 @@
       </p:grpSpPr>
       <p:sp>
         <p:nvSpPr>
-          <p:cNvPr id="133" name="Google Shape;133;gbd65639415_1_33:notes"/>
+          <p:cNvPr id="146" name="Google Shape;146;gbd65639415_1_28:notes"/>
           <p:cNvSpPr/>
           <p:nvPr>
             <p:ph idx="2" type="sldImg"/>
@@ -1971,7 +2089,7 @@
       </p:sp>
       <p:sp>
         <p:nvSpPr>
-          <p:cNvPr id="134" name="Google Shape;134;gbd65639415_1_33:notes"/>
+          <p:cNvPr id="147" name="Google Shape;147;gbd65639415_1_28:notes"/>
           <p:cNvSpPr txBox="1"/>
           <p:nvPr>
             <p:ph idx="1" type="body"/>
@@ -31056,7 +31174,7 @@
   <p:cSld>
     <p:spTree>
       <p:nvGrpSpPr>
-        <p:cNvPr id="140" name="Shape 140"/>
+        <p:cNvPr id="153" name="Shape 153"/>
         <p:cNvGrpSpPr/>
         <p:nvPr/>
       </p:nvGrpSpPr>
@@ -31070,7 +31188,80 @@
       </p:grpSpPr>
       <p:sp>
         <p:nvSpPr>
-          <p:cNvPr id="141" name="Google Shape;141;gbd65639415_1_38"/>
+          <p:cNvPr id="154" name="Google Shape;154;gbd65639415_1_33"/>
+          <p:cNvSpPr txBox="1"/>
+          <p:nvPr>
+            <p:ph type="title"/>
+          </p:nvPr>
+        </p:nvSpPr>
+        <p:spPr>
+          <a:xfrm>
+            <a:off x="55375" y="128825"/>
+            <a:ext cx="7586100" cy="396300"/>
+          </a:xfrm>
+          <a:prstGeom prst="rect">
+            <a:avLst/>
+          </a:prstGeom>
+          <a:noFill/>
+          <a:ln>
+            <a:noFill/>
+          </a:ln>
+        </p:spPr>
+        <p:txBody>
+          <a:bodyPr anchorCtr="0" anchor="b" bIns="0" lIns="0" spcFirstLastPara="1" rIns="0" wrap="square" tIns="0">
+            <a:noAutofit/>
+          </a:bodyPr>
+          <a:lstStyle/>
+          <a:p>
+            <a:pPr indent="0" lvl="0" marL="0" rtl="0" algn="l">
+              <a:lnSpc>
+                <a:spcPct val="90000"/>
+              </a:lnSpc>
+              <a:spcBef>
+                <a:spcPts val="0"/>
+              </a:spcBef>
+              <a:spcAft>
+                <a:spcPts val="0"/>
+              </a:spcAft>
+              <a:buSzPts val="3000"/>
+              <a:buNone/>
+            </a:pPr>
+            <a:r>
+              <a:rPr lang="fr" sz="3500"/>
+              <a:t>Tester la solution</a:t>
+            </a:r>
+            <a:endParaRPr sz="3500"/>
+          </a:p>
+        </p:txBody>
+      </p:sp>
+    </p:spTree>
+  </p:cSld>
+  <p:clrMapOvr>
+    <a:masterClrMapping/>
+  </p:clrMapOvr>
+</p:sld>
+</file>
+
+<file path=ppt/slides/slide11.xml><?xml version="1.0" encoding="utf-8"?>
+<p:sld xmlns:a="http://schemas.openxmlformats.org/drawingml/2006/main" xmlns:r="http://schemas.openxmlformats.org/officeDocument/2006/relationships" xmlns:mc="http://schemas.openxmlformats.org/markup-compatibility/2006" xmlns:mv="urn:schemas-microsoft-com:mac:vml" xmlns:p="http://schemas.openxmlformats.org/presentationml/2006/main" xmlns:c="http://schemas.openxmlformats.org/drawingml/2006/chart" xmlns:dgm="http://schemas.openxmlformats.org/drawingml/2006/diagram" xmlns:o="urn:schemas-microsoft-com:office:office" xmlns:v="urn:schemas-microsoft-com:vml" xmlns:pvml="urn:schemas-microsoft-com:office:powerpoint" xmlns:com="http://schemas.openxmlformats.org/drawingml/2006/compatibility" xmlns:p14="http://schemas.microsoft.com/office/powerpoint/2010/main" xmlns:p15="http://schemas.microsoft.com/office/powerpoint/2012/main" xmlns:ahyp="http://schemas.microsoft.com/office/drawing/2018/hyperlinkcolor">
+  <p:cSld>
+    <p:spTree>
+      <p:nvGrpSpPr>
+        <p:cNvPr id="158" name="Shape 158"/>
+        <p:cNvGrpSpPr/>
+        <p:nvPr/>
+      </p:nvGrpSpPr>
+      <p:grpSpPr>
+        <a:xfrm>
+          <a:off x="0" y="0"/>
+          <a:ext cx="0" cy="0"/>
+          <a:chOff x="0" y="0"/>
+          <a:chExt cx="0" cy="0"/>
+        </a:xfrm>
+      </p:grpSpPr>
+      <p:sp>
+        <p:nvSpPr>
+          <p:cNvPr id="159" name="Google Shape;159;gbd65639415_1_38"/>
           <p:cNvSpPr txBox="1"/>
           <p:nvPr>
             <p:ph type="title"/>
@@ -31818,6 +32009,566 @@
           </a:p>
         </p:txBody>
       </p:sp>
+      <p:sp>
+        <p:nvSpPr>
+          <p:cNvPr id="117" name="Google Shape;117;gbd65639415_1_5"/>
+          <p:cNvSpPr txBox="1"/>
+          <p:nvPr/>
+        </p:nvSpPr>
+        <p:spPr>
+          <a:xfrm>
+            <a:off x="205700" y="997900"/>
+            <a:ext cx="5047800" cy="446400"/>
+          </a:xfrm>
+          <a:prstGeom prst="rect">
+            <a:avLst/>
+          </a:prstGeom>
+          <a:noFill/>
+          <a:ln>
+            <a:noFill/>
+          </a:ln>
+        </p:spPr>
+        <p:txBody>
+          <a:bodyPr anchorCtr="0" anchor="t" bIns="91425" lIns="91425" spcFirstLastPara="1" rIns="91425" wrap="square" tIns="91425">
+            <a:spAutoFit/>
+          </a:bodyPr>
+          <a:lstStyle/>
+          <a:p>
+            <a:pPr indent="-336550" lvl="0" marL="457200" marR="0" rtl="0" algn="l">
+              <a:lnSpc>
+                <a:spcPct val="150000"/>
+              </a:lnSpc>
+              <a:spcBef>
+                <a:spcPts val="0"/>
+              </a:spcBef>
+              <a:spcAft>
+                <a:spcPts val="0"/>
+              </a:spcAft>
+              <a:buClr>
+                <a:srgbClr val="3C78D8"/>
+              </a:buClr>
+              <a:buSzPts val="1700"/>
+              <a:buFont typeface="Montserrat Light"/>
+              <a:buChar char="❖"/>
+            </a:pPr>
+            <a:r>
+              <a:rPr lang="fr" sz="1700">
+                <a:solidFill>
+                  <a:srgbClr val="3C78D8"/>
+                </a:solidFill>
+                <a:latin typeface="Montserrat Light"/>
+                <a:ea typeface="Montserrat Light"/>
+                <a:cs typeface="Montserrat Light"/>
+                <a:sym typeface="Montserrat Light"/>
+              </a:rPr>
+              <a:t>Le client visitera le site :</a:t>
+            </a:r>
+            <a:endParaRPr b="0" i="0" sz="1700" u="none" cap="none" strike="noStrike">
+              <a:solidFill>
+                <a:srgbClr val="3C78D8"/>
+              </a:solidFill>
+              <a:latin typeface="Montserrat Light"/>
+              <a:ea typeface="Montserrat Light"/>
+              <a:cs typeface="Montserrat Light"/>
+              <a:sym typeface="Montserrat Light"/>
+            </a:endParaRPr>
+          </a:p>
+        </p:txBody>
+      </p:sp>
+      <p:sp>
+        <p:nvSpPr>
+          <p:cNvPr id="118" name="Google Shape;118;gbd65639415_1_5"/>
+          <p:cNvSpPr txBox="1"/>
+          <p:nvPr/>
+        </p:nvSpPr>
+        <p:spPr>
+          <a:xfrm>
+            <a:off x="984550" y="1530700"/>
+            <a:ext cx="4078800" cy="400200"/>
+          </a:xfrm>
+          <a:prstGeom prst="rect">
+            <a:avLst/>
+          </a:prstGeom>
+          <a:noFill/>
+          <a:ln>
+            <a:noFill/>
+          </a:ln>
+        </p:spPr>
+        <p:txBody>
+          <a:bodyPr anchorCtr="0" anchor="t" bIns="91425" lIns="91425" spcFirstLastPara="1" rIns="91425" wrap="square" tIns="91425">
+            <a:spAutoFit/>
+          </a:bodyPr>
+          <a:lstStyle/>
+          <a:p>
+            <a:pPr indent="0" lvl="0" marL="0" rtl="0" algn="l">
+              <a:spcBef>
+                <a:spcPts val="0"/>
+              </a:spcBef>
+              <a:spcAft>
+                <a:spcPts val="0"/>
+              </a:spcAft>
+              <a:buNone/>
+            </a:pPr>
+            <a:r>
+              <a:t/>
+            </a:r>
+            <a:endParaRPr>
+              <a:latin typeface="Montserrat Light"/>
+              <a:ea typeface="Montserrat Light"/>
+              <a:cs typeface="Montserrat Light"/>
+              <a:sym typeface="Montserrat Light"/>
+            </a:endParaRPr>
+          </a:p>
+        </p:txBody>
+      </p:sp>
+      <p:sp>
+        <p:nvSpPr>
+          <p:cNvPr id="119" name="Google Shape;119;gbd65639415_1_5"/>
+          <p:cNvSpPr txBox="1"/>
+          <p:nvPr/>
+        </p:nvSpPr>
+        <p:spPr>
+          <a:xfrm>
+            <a:off x="841925" y="1473650"/>
+            <a:ext cx="3745800" cy="400200"/>
+          </a:xfrm>
+          <a:prstGeom prst="rect">
+            <a:avLst/>
+          </a:prstGeom>
+          <a:noFill/>
+          <a:ln>
+            <a:noFill/>
+          </a:ln>
+        </p:spPr>
+        <p:txBody>
+          <a:bodyPr anchorCtr="0" anchor="t" bIns="91425" lIns="91425" spcFirstLastPara="1" rIns="91425" wrap="square" tIns="91425">
+            <a:spAutoFit/>
+          </a:bodyPr>
+          <a:lstStyle/>
+          <a:p>
+            <a:pPr indent="0" lvl="0" marL="457200" rtl="0" algn="l">
+              <a:spcBef>
+                <a:spcPts val="0"/>
+              </a:spcBef>
+              <a:spcAft>
+                <a:spcPts val="0"/>
+              </a:spcAft>
+              <a:buNone/>
+            </a:pPr>
+            <a:r>
+              <a:t/>
+            </a:r>
+            <a:endParaRPr>
+              <a:latin typeface="Montserrat Light"/>
+              <a:ea typeface="Montserrat Light"/>
+              <a:cs typeface="Montserrat Light"/>
+              <a:sym typeface="Montserrat Light"/>
+            </a:endParaRPr>
+          </a:p>
+        </p:txBody>
+      </p:sp>
+      <p:sp>
+        <p:nvSpPr>
+          <p:cNvPr id="120" name="Google Shape;120;gbd65639415_1_5"/>
+          <p:cNvSpPr txBox="1"/>
+          <p:nvPr/>
+        </p:nvSpPr>
+        <p:spPr>
+          <a:xfrm>
+            <a:off x="766900" y="1574650"/>
+            <a:ext cx="4866600" cy="1231500"/>
+          </a:xfrm>
+          <a:prstGeom prst="rect">
+            <a:avLst/>
+          </a:prstGeom>
+          <a:noFill/>
+          <a:ln>
+            <a:noFill/>
+          </a:ln>
+        </p:spPr>
+        <p:txBody>
+          <a:bodyPr anchorCtr="0" anchor="t" bIns="91425" lIns="91425" spcFirstLastPara="1" rIns="91425" wrap="square" tIns="91425">
+            <a:spAutoFit/>
+          </a:bodyPr>
+          <a:lstStyle/>
+          <a:p>
+            <a:pPr indent="-336550" lvl="0" marL="457200" rtl="0" algn="l">
+              <a:lnSpc>
+                <a:spcPct val="150000"/>
+              </a:lnSpc>
+              <a:spcBef>
+                <a:spcPts val="0"/>
+              </a:spcBef>
+              <a:spcAft>
+                <a:spcPts val="0"/>
+              </a:spcAft>
+              <a:buClr>
+                <a:srgbClr val="3C78D8"/>
+              </a:buClr>
+              <a:buSzPts val="1700"/>
+              <a:buFont typeface="Montserrat Light"/>
+              <a:buChar char="➔"/>
+            </a:pPr>
+            <a:r>
+              <a:rPr lang="fr" sz="1700">
+                <a:solidFill>
+                  <a:srgbClr val="3C78D8"/>
+                </a:solidFill>
+                <a:latin typeface="Montserrat Light"/>
+                <a:ea typeface="Montserrat Light"/>
+                <a:cs typeface="Montserrat Light"/>
+                <a:sym typeface="Montserrat Light"/>
+              </a:rPr>
+              <a:t>Pour</a:t>
+            </a:r>
+            <a:r>
+              <a:rPr lang="fr" sz="1700">
+                <a:solidFill>
+                  <a:srgbClr val="3C78D8"/>
+                </a:solidFill>
+                <a:latin typeface="Montserrat Light"/>
+                <a:ea typeface="Montserrat Light"/>
+                <a:cs typeface="Montserrat Light"/>
+                <a:sym typeface="Montserrat Light"/>
+              </a:rPr>
+              <a:t> </a:t>
+            </a:r>
+            <a:r>
+              <a:rPr lang="fr" sz="1700">
+                <a:solidFill>
+                  <a:srgbClr val="3C78D8"/>
+                </a:solidFill>
+                <a:latin typeface="Montserrat Light"/>
+                <a:ea typeface="Montserrat Light"/>
+                <a:cs typeface="Montserrat Light"/>
+                <a:sym typeface="Montserrat Light"/>
+              </a:rPr>
+              <a:t>s'inscrire</a:t>
+            </a:r>
+            <a:endParaRPr sz="1700">
+              <a:solidFill>
+                <a:srgbClr val="3C78D8"/>
+              </a:solidFill>
+              <a:latin typeface="Montserrat Light"/>
+              <a:ea typeface="Montserrat Light"/>
+              <a:cs typeface="Montserrat Light"/>
+              <a:sym typeface="Montserrat Light"/>
+            </a:endParaRPr>
+          </a:p>
+          <a:p>
+            <a:pPr indent="-336550" lvl="0" marL="457200" marR="0" rtl="0" algn="l">
+              <a:lnSpc>
+                <a:spcPct val="150000"/>
+              </a:lnSpc>
+              <a:spcBef>
+                <a:spcPts val="0"/>
+              </a:spcBef>
+              <a:spcAft>
+                <a:spcPts val="0"/>
+              </a:spcAft>
+              <a:buClr>
+                <a:srgbClr val="3C78D8"/>
+              </a:buClr>
+              <a:buSzPts val="1700"/>
+              <a:buFont typeface="Montserrat Light"/>
+              <a:buChar char="➔"/>
+            </a:pPr>
+            <a:r>
+              <a:rPr lang="fr" sz="1700">
+                <a:solidFill>
+                  <a:srgbClr val="3C78D8"/>
+                </a:solidFill>
+                <a:latin typeface="Montserrat Light"/>
+                <a:ea typeface="Montserrat Light"/>
+                <a:cs typeface="Montserrat Light"/>
+                <a:sym typeface="Montserrat Light"/>
+              </a:rPr>
+              <a:t>Pour</a:t>
+            </a:r>
+            <a:r>
+              <a:rPr lang="fr" sz="1700">
+                <a:solidFill>
+                  <a:srgbClr val="3C78D8"/>
+                </a:solidFill>
+                <a:latin typeface="Montserrat Light"/>
+                <a:ea typeface="Montserrat Light"/>
+                <a:cs typeface="Montserrat Light"/>
+                <a:sym typeface="Montserrat Light"/>
+              </a:rPr>
+              <a:t> revoir </a:t>
+            </a:r>
+            <a:r>
+              <a:rPr lang="fr" sz="1700">
+                <a:solidFill>
+                  <a:srgbClr val="3C78D8"/>
+                </a:solidFill>
+                <a:latin typeface="Montserrat Light"/>
+                <a:ea typeface="Montserrat Light"/>
+                <a:cs typeface="Montserrat Light"/>
+                <a:sym typeface="Montserrat Light"/>
+              </a:rPr>
+              <a:t>le</a:t>
+            </a:r>
+            <a:r>
+              <a:rPr lang="fr" sz="1700">
+                <a:solidFill>
+                  <a:srgbClr val="3C78D8"/>
+                </a:solidFill>
+                <a:latin typeface="Montserrat Light"/>
+                <a:ea typeface="Montserrat Light"/>
+                <a:cs typeface="Montserrat Light"/>
+                <a:sym typeface="Montserrat Light"/>
+              </a:rPr>
+              <a:t> </a:t>
+            </a:r>
+            <a:r>
+              <a:rPr lang="fr" sz="1700">
+                <a:solidFill>
+                  <a:srgbClr val="3C78D8"/>
+                </a:solidFill>
+                <a:latin typeface="Montserrat Light"/>
+                <a:ea typeface="Montserrat Light"/>
+                <a:cs typeface="Montserrat Light"/>
+                <a:sym typeface="Montserrat Light"/>
+              </a:rPr>
+              <a:t>programme</a:t>
+            </a:r>
+            <a:r>
+              <a:rPr lang="fr" sz="1700">
+                <a:solidFill>
+                  <a:srgbClr val="3C78D8"/>
+                </a:solidFill>
+                <a:latin typeface="Montserrat Light"/>
+                <a:ea typeface="Montserrat Light"/>
+                <a:cs typeface="Montserrat Light"/>
+                <a:sym typeface="Montserrat Light"/>
+              </a:rPr>
+              <a:t> de formation</a:t>
+            </a:r>
+            <a:endParaRPr sz="1700">
+              <a:solidFill>
+                <a:srgbClr val="3C78D8"/>
+              </a:solidFill>
+              <a:latin typeface="Montserrat Light"/>
+              <a:ea typeface="Montserrat Light"/>
+              <a:cs typeface="Montserrat Light"/>
+              <a:sym typeface="Montserrat Light"/>
+            </a:endParaRPr>
+          </a:p>
+          <a:p>
+            <a:pPr indent="-336550" lvl="0" marL="457200" marR="0" rtl="0" algn="l">
+              <a:lnSpc>
+                <a:spcPct val="150000"/>
+              </a:lnSpc>
+              <a:spcBef>
+                <a:spcPts val="0"/>
+              </a:spcBef>
+              <a:spcAft>
+                <a:spcPts val="0"/>
+              </a:spcAft>
+              <a:buClr>
+                <a:srgbClr val="3C78D8"/>
+              </a:buClr>
+              <a:buSzPts val="1700"/>
+              <a:buFont typeface="Montserrat Light"/>
+              <a:buChar char="➔"/>
+            </a:pPr>
+            <a:r>
+              <a:rPr lang="fr" sz="1700">
+                <a:solidFill>
+                  <a:srgbClr val="3C78D8"/>
+                </a:solidFill>
+                <a:latin typeface="Montserrat Light"/>
+                <a:ea typeface="Montserrat Light"/>
+                <a:cs typeface="Montserrat Light"/>
+                <a:sym typeface="Montserrat Light"/>
+              </a:rPr>
+              <a:t>Pour découvrir l’école</a:t>
+            </a:r>
+            <a:endParaRPr sz="1700">
+              <a:solidFill>
+                <a:srgbClr val="3C78D8"/>
+              </a:solidFill>
+              <a:latin typeface="Montserrat Light"/>
+              <a:ea typeface="Montserrat Light"/>
+              <a:cs typeface="Montserrat Light"/>
+              <a:sym typeface="Montserrat Light"/>
+            </a:endParaRPr>
+          </a:p>
+        </p:txBody>
+      </p:sp>
+      <p:sp>
+        <p:nvSpPr>
+          <p:cNvPr id="121" name="Google Shape;121;gbd65639415_1_5"/>
+          <p:cNvSpPr txBox="1"/>
+          <p:nvPr/>
+        </p:nvSpPr>
+        <p:spPr>
+          <a:xfrm>
+            <a:off x="190925" y="2936475"/>
+            <a:ext cx="5047800" cy="446400"/>
+          </a:xfrm>
+          <a:prstGeom prst="rect">
+            <a:avLst/>
+          </a:prstGeom>
+          <a:noFill/>
+          <a:ln>
+            <a:noFill/>
+          </a:ln>
+        </p:spPr>
+        <p:txBody>
+          <a:bodyPr anchorCtr="0" anchor="t" bIns="91425" lIns="91425" spcFirstLastPara="1" rIns="91425" wrap="square" tIns="91425">
+            <a:spAutoFit/>
+          </a:bodyPr>
+          <a:lstStyle/>
+          <a:p>
+            <a:pPr indent="-336550" lvl="0" marL="457200" marR="0" rtl="0" algn="l">
+              <a:lnSpc>
+                <a:spcPct val="150000"/>
+              </a:lnSpc>
+              <a:spcBef>
+                <a:spcPts val="0"/>
+              </a:spcBef>
+              <a:spcAft>
+                <a:spcPts val="0"/>
+              </a:spcAft>
+              <a:buClr>
+                <a:srgbClr val="3C78D8"/>
+              </a:buClr>
+              <a:buSzPts val="1700"/>
+              <a:buFont typeface="Montserrat Light"/>
+              <a:buChar char="❖"/>
+            </a:pPr>
+            <a:r>
+              <a:rPr lang="fr" sz="1700">
+                <a:solidFill>
+                  <a:srgbClr val="3C78D8"/>
+                </a:solidFill>
+                <a:latin typeface="Montserrat Light"/>
+                <a:ea typeface="Montserrat Light"/>
+                <a:cs typeface="Montserrat Light"/>
+                <a:sym typeface="Montserrat Light"/>
+              </a:rPr>
+              <a:t>ce que l'utilisateur attend :</a:t>
+            </a:r>
+            <a:endParaRPr b="0" i="0" sz="1700" u="none" cap="none" strike="noStrike">
+              <a:solidFill>
+                <a:srgbClr val="3C78D8"/>
+              </a:solidFill>
+              <a:latin typeface="Montserrat Light"/>
+              <a:ea typeface="Montserrat Light"/>
+              <a:cs typeface="Montserrat Light"/>
+              <a:sym typeface="Montserrat Light"/>
+            </a:endParaRPr>
+          </a:p>
+        </p:txBody>
+      </p:sp>
+      <p:sp>
+        <p:nvSpPr>
+          <p:cNvPr id="122" name="Google Shape;122;gbd65639415_1_5"/>
+          <p:cNvSpPr txBox="1"/>
+          <p:nvPr/>
+        </p:nvSpPr>
+        <p:spPr>
+          <a:xfrm>
+            <a:off x="841925" y="3513188"/>
+            <a:ext cx="4144200" cy="838800"/>
+          </a:xfrm>
+          <a:prstGeom prst="rect">
+            <a:avLst/>
+          </a:prstGeom>
+          <a:noFill/>
+          <a:ln>
+            <a:noFill/>
+          </a:ln>
+        </p:spPr>
+        <p:txBody>
+          <a:bodyPr anchorCtr="0" anchor="t" bIns="91425" lIns="91425" spcFirstLastPara="1" rIns="91425" wrap="square" tIns="91425">
+            <a:spAutoFit/>
+          </a:bodyPr>
+          <a:lstStyle/>
+          <a:p>
+            <a:pPr indent="-336550" lvl="0" marL="457200" marR="0" rtl="0" algn="l">
+              <a:lnSpc>
+                <a:spcPct val="150000"/>
+              </a:lnSpc>
+              <a:spcBef>
+                <a:spcPts val="0"/>
+              </a:spcBef>
+              <a:spcAft>
+                <a:spcPts val="0"/>
+              </a:spcAft>
+              <a:buClr>
+                <a:srgbClr val="3C78D8"/>
+              </a:buClr>
+              <a:buSzPts val="1700"/>
+              <a:buFont typeface="Montserrat Light"/>
+              <a:buChar char="➔"/>
+            </a:pPr>
+            <a:r>
+              <a:rPr lang="fr" sz="1700">
+                <a:solidFill>
+                  <a:srgbClr val="3C78D8"/>
+                </a:solidFill>
+                <a:latin typeface="Montserrat Light"/>
+                <a:ea typeface="Montserrat Light"/>
+                <a:cs typeface="Montserrat Light"/>
+                <a:sym typeface="Montserrat Light"/>
+              </a:rPr>
+              <a:t>interface facile pour utiliser</a:t>
+            </a:r>
+            <a:endParaRPr sz="1700">
+              <a:solidFill>
+                <a:srgbClr val="3C78D8"/>
+              </a:solidFill>
+              <a:latin typeface="Montserrat Light"/>
+              <a:ea typeface="Montserrat Light"/>
+              <a:cs typeface="Montserrat Light"/>
+              <a:sym typeface="Montserrat Light"/>
+            </a:endParaRPr>
+          </a:p>
+          <a:p>
+            <a:pPr indent="-336550" lvl="0" marL="457200" marR="0" rtl="0" algn="l">
+              <a:lnSpc>
+                <a:spcPct val="150000"/>
+              </a:lnSpc>
+              <a:spcBef>
+                <a:spcPts val="0"/>
+              </a:spcBef>
+              <a:spcAft>
+                <a:spcPts val="0"/>
+              </a:spcAft>
+              <a:buClr>
+                <a:srgbClr val="3C78D8"/>
+              </a:buClr>
+              <a:buSzPts val="1700"/>
+              <a:buFont typeface="Montserrat Light"/>
+              <a:buChar char="➔"/>
+            </a:pPr>
+            <a:r>
+              <a:rPr lang="fr" sz="1700">
+                <a:solidFill>
+                  <a:srgbClr val="3C78D8"/>
+                </a:solidFill>
+                <a:latin typeface="Montserrat Light"/>
+                <a:ea typeface="Montserrat Light"/>
+                <a:cs typeface="Montserrat Light"/>
+                <a:sym typeface="Montserrat Light"/>
+              </a:rPr>
+              <a:t>contenue attirant</a:t>
+            </a:r>
+            <a:endParaRPr sz="1700">
+              <a:solidFill>
+                <a:srgbClr val="3C78D8"/>
+              </a:solidFill>
+              <a:latin typeface="Montserrat Light"/>
+              <a:ea typeface="Montserrat Light"/>
+              <a:cs typeface="Montserrat Light"/>
+              <a:sym typeface="Montserrat Light"/>
+            </a:endParaRPr>
+          </a:p>
+        </p:txBody>
+      </p:sp>
     </p:spTree>
   </p:cSld>
   <p:clrMapOvr>
@@ -31831,7 +32582,7 @@
   <p:cSld>
     <p:spTree>
       <p:nvGrpSpPr>
-        <p:cNvPr id="120" name="Shape 120"/>
+        <p:cNvPr id="126" name="Shape 126"/>
         <p:cNvGrpSpPr/>
         <p:nvPr/>
       </p:nvGrpSpPr>
@@ -31845,7 +32596,7 @@
       </p:grpSpPr>
       <p:sp>
         <p:nvSpPr>
-          <p:cNvPr id="121" name="Google Shape;121;gbd65639415_1_18"/>
+          <p:cNvPr id="127" name="Google Shape;127;gbd65639415_1_18"/>
           <p:cNvSpPr txBox="1"/>
           <p:nvPr>
             <p:ph type="title"/>
@@ -31885,12 +32636,236 @@
             </a:pPr>
             <a:r>
               <a:rPr lang="fr" sz="3500"/>
-              <a:t>Le problème</a:t>
+              <a:t>Les problèmes</a:t>
             </a:r>
             <a:endParaRPr sz="3500"/>
           </a:p>
         </p:txBody>
       </p:sp>
+      <p:sp>
+        <p:nvSpPr>
+          <p:cNvPr id="128" name="Google Shape;128;gbd65639415_1_18"/>
+          <p:cNvSpPr txBox="1"/>
+          <p:nvPr/>
+        </p:nvSpPr>
+        <p:spPr>
+          <a:xfrm>
+            <a:off x="681350" y="994700"/>
+            <a:ext cx="6312000" cy="446400"/>
+          </a:xfrm>
+          <a:prstGeom prst="rect">
+            <a:avLst/>
+          </a:prstGeom>
+          <a:noFill/>
+          <a:ln>
+            <a:noFill/>
+          </a:ln>
+        </p:spPr>
+        <p:txBody>
+          <a:bodyPr anchorCtr="0" anchor="t" bIns="91425" lIns="91425" spcFirstLastPara="1" rIns="91425" wrap="square" tIns="91425">
+            <a:spAutoFit/>
+          </a:bodyPr>
+          <a:lstStyle/>
+          <a:p>
+            <a:pPr indent="-336550" lvl="0" marL="457200" marR="0" rtl="0" algn="l">
+              <a:lnSpc>
+                <a:spcPct val="150000"/>
+              </a:lnSpc>
+              <a:spcBef>
+                <a:spcPts val="0"/>
+              </a:spcBef>
+              <a:spcAft>
+                <a:spcPts val="0"/>
+              </a:spcAft>
+              <a:buClr>
+                <a:srgbClr val="3C78D8"/>
+              </a:buClr>
+              <a:buSzPts val="1700"/>
+              <a:buFont typeface="Montserrat Light"/>
+              <a:buChar char="➔"/>
+            </a:pPr>
+            <a:r>
+              <a:rPr lang="fr" sz="1700">
+                <a:solidFill>
+                  <a:srgbClr val="3C78D8"/>
+                </a:solidFill>
+                <a:latin typeface="Montserrat Light"/>
+                <a:ea typeface="Montserrat Light"/>
+                <a:cs typeface="Montserrat Light"/>
+                <a:sym typeface="Montserrat Light"/>
+              </a:rPr>
+              <a:t>nav : l</a:t>
+            </a:r>
+            <a:r>
+              <a:rPr lang="fr" sz="1700">
+                <a:solidFill>
+                  <a:srgbClr val="3C78D8"/>
+                </a:solidFill>
+                <a:latin typeface="Montserrat Light"/>
+                <a:ea typeface="Montserrat Light"/>
+                <a:cs typeface="Montserrat Light"/>
+                <a:sym typeface="Montserrat Light"/>
+              </a:rPr>
+              <a:t>'absence de programme de formation</a:t>
+            </a:r>
+            <a:endParaRPr sz="1700">
+              <a:solidFill>
+                <a:srgbClr val="3C78D8"/>
+              </a:solidFill>
+              <a:latin typeface="Montserrat Light"/>
+              <a:ea typeface="Montserrat Light"/>
+              <a:cs typeface="Montserrat Light"/>
+              <a:sym typeface="Montserrat Light"/>
+            </a:endParaRPr>
+          </a:p>
+        </p:txBody>
+      </p:sp>
+      <p:pic>
+        <p:nvPicPr>
+          <p:cNvPr id="129" name="Google Shape;129;gbd65639415_1_18"/>
+          <p:cNvPicPr preferRelativeResize="0"/>
+          <p:nvPr/>
+        </p:nvPicPr>
+        <p:blipFill>
+          <a:blip r:embed="rId3">
+            <a:alphaModFix/>
+          </a:blip>
+          <a:stretch>
+            <a:fillRect/>
+          </a:stretch>
+        </p:blipFill>
+        <p:spPr>
+          <a:xfrm>
+            <a:off x="152400" y="1539725"/>
+            <a:ext cx="8839201" cy="710202"/>
+          </a:xfrm>
+          <a:prstGeom prst="rect">
+            <a:avLst/>
+          </a:prstGeom>
+          <a:noFill/>
+          <a:ln>
+            <a:noFill/>
+          </a:ln>
+        </p:spPr>
+      </p:pic>
+      <p:sp>
+        <p:nvSpPr>
+          <p:cNvPr id="130" name="Google Shape;130;gbd65639415_1_18"/>
+          <p:cNvSpPr txBox="1"/>
+          <p:nvPr/>
+        </p:nvSpPr>
+        <p:spPr>
+          <a:xfrm>
+            <a:off x="681350" y="2348550"/>
+            <a:ext cx="4866600" cy="446400"/>
+          </a:xfrm>
+          <a:prstGeom prst="rect">
+            <a:avLst/>
+          </a:prstGeom>
+          <a:noFill/>
+          <a:ln>
+            <a:noFill/>
+          </a:ln>
+        </p:spPr>
+        <p:txBody>
+          <a:bodyPr anchorCtr="0" anchor="t" bIns="91425" lIns="91425" spcFirstLastPara="1" rIns="91425" wrap="square" tIns="91425">
+            <a:spAutoFit/>
+          </a:bodyPr>
+          <a:lstStyle/>
+          <a:p>
+            <a:pPr indent="-336550" lvl="0" marL="457200" marR="0" rtl="0" algn="l">
+              <a:lnSpc>
+                <a:spcPct val="150000"/>
+              </a:lnSpc>
+              <a:spcBef>
+                <a:spcPts val="0"/>
+              </a:spcBef>
+              <a:spcAft>
+                <a:spcPts val="0"/>
+              </a:spcAft>
+              <a:buClr>
+                <a:srgbClr val="3C78D8"/>
+              </a:buClr>
+              <a:buSzPts val="1700"/>
+              <a:buFont typeface="Montserrat Light"/>
+              <a:buChar char="➔"/>
+            </a:pPr>
+            <a:r>
+              <a:rPr lang="fr" sz="1700">
+                <a:solidFill>
+                  <a:srgbClr val="3C78D8"/>
+                </a:solidFill>
+                <a:latin typeface="Montserrat Light"/>
+                <a:ea typeface="Montserrat Light"/>
+                <a:cs typeface="Montserrat Light"/>
+                <a:sym typeface="Montserrat Light"/>
+              </a:rPr>
+              <a:t>Les cartes : </a:t>
+            </a:r>
+            <a:r>
+              <a:rPr lang="fr" sz="1700">
+                <a:solidFill>
+                  <a:srgbClr val="3C78D8"/>
+                </a:solidFill>
+                <a:latin typeface="Montserrat Light"/>
+                <a:ea typeface="Montserrat Light"/>
+                <a:cs typeface="Montserrat Light"/>
+                <a:sym typeface="Montserrat Light"/>
+              </a:rPr>
+              <a:t>Problème</a:t>
+            </a:r>
+            <a:r>
+              <a:rPr lang="fr" sz="1700">
+                <a:solidFill>
+                  <a:srgbClr val="3C78D8"/>
+                </a:solidFill>
+                <a:latin typeface="Montserrat Light"/>
+                <a:ea typeface="Montserrat Light"/>
+                <a:cs typeface="Montserrat Light"/>
+                <a:sym typeface="Montserrat Light"/>
+              </a:rPr>
+              <a:t> de margin</a:t>
+            </a:r>
+            <a:endParaRPr sz="1700">
+              <a:solidFill>
+                <a:srgbClr val="3C78D8"/>
+              </a:solidFill>
+              <a:latin typeface="Montserrat Light"/>
+              <a:ea typeface="Montserrat Light"/>
+              <a:cs typeface="Montserrat Light"/>
+              <a:sym typeface="Montserrat Light"/>
+            </a:endParaRPr>
+          </a:p>
+        </p:txBody>
+      </p:sp>
+      <p:pic>
+        <p:nvPicPr>
+          <p:cNvPr id="131" name="Google Shape;131;gbd65639415_1_18"/>
+          <p:cNvPicPr preferRelativeResize="0"/>
+          <p:nvPr/>
+        </p:nvPicPr>
+        <p:blipFill>
+          <a:blip r:embed="rId4">
+            <a:alphaModFix/>
+          </a:blip>
+          <a:stretch>
+            <a:fillRect/>
+          </a:stretch>
+        </p:blipFill>
+        <p:spPr>
+          <a:xfrm>
+            <a:off x="1128200" y="2890300"/>
+            <a:ext cx="6597963" cy="2043750"/>
+          </a:xfrm>
+          <a:prstGeom prst="rect">
+            <a:avLst/>
+          </a:prstGeom>
+          <a:noFill/>
+          <a:ln>
+            <a:noFill/>
+          </a:ln>
+        </p:spPr>
+      </p:pic>
     </p:spTree>
   </p:cSld>
   <p:clrMapOvr>
@@ -31904,7 +32879,7 @@
   <p:cSld>
     <p:spTree>
       <p:nvGrpSpPr>
-        <p:cNvPr id="125" name="Shape 125"/>
+        <p:cNvPr id="135" name="Shape 135"/>
         <p:cNvGrpSpPr/>
         <p:nvPr/>
       </p:nvGrpSpPr>
@@ -31918,7 +32893,7 @@
       </p:grpSpPr>
       <p:sp>
         <p:nvSpPr>
-          <p:cNvPr id="126" name="Google Shape;126;gbd65639415_1_23"/>
+          <p:cNvPr id="136" name="Google Shape;136;gbe6b11afb9_0_18"/>
           <p:cNvSpPr txBox="1"/>
           <p:nvPr>
             <p:ph type="title"/>
@@ -31958,9 +32933,273 @@
             </a:pPr>
             <a:r>
               <a:rPr lang="fr" sz="3500"/>
-              <a:t>La solution</a:t>
+              <a:t>Les problèmes</a:t>
             </a:r>
             <a:endParaRPr sz="3500"/>
+          </a:p>
+        </p:txBody>
+      </p:sp>
+      <p:sp>
+        <p:nvSpPr>
+          <p:cNvPr id="137" name="Google Shape;137;gbe6b11afb9_0_18"/>
+          <p:cNvSpPr txBox="1"/>
+          <p:nvPr/>
+        </p:nvSpPr>
+        <p:spPr>
+          <a:xfrm>
+            <a:off x="681350" y="910975"/>
+            <a:ext cx="5427600" cy="446400"/>
+          </a:xfrm>
+          <a:prstGeom prst="rect">
+            <a:avLst/>
+          </a:prstGeom>
+          <a:noFill/>
+          <a:ln>
+            <a:noFill/>
+          </a:ln>
+        </p:spPr>
+        <p:txBody>
+          <a:bodyPr anchorCtr="0" anchor="t" bIns="91425" lIns="91425" spcFirstLastPara="1" rIns="91425" wrap="square" tIns="91425">
+            <a:spAutoFit/>
+          </a:bodyPr>
+          <a:lstStyle/>
+          <a:p>
+            <a:pPr indent="-336550" lvl="0" marL="457200" marR="0" rtl="0" algn="l">
+              <a:lnSpc>
+                <a:spcPct val="150000"/>
+              </a:lnSpc>
+              <a:spcBef>
+                <a:spcPts val="0"/>
+              </a:spcBef>
+              <a:spcAft>
+                <a:spcPts val="0"/>
+              </a:spcAft>
+              <a:buClr>
+                <a:srgbClr val="3C78D8"/>
+              </a:buClr>
+              <a:buSzPts val="1700"/>
+              <a:buFont typeface="Montserrat Light"/>
+              <a:buChar char="➔"/>
+            </a:pPr>
+            <a:r>
+              <a:rPr lang="fr" sz="1700">
+                <a:solidFill>
+                  <a:srgbClr val="3C78D8"/>
+                </a:solidFill>
+                <a:latin typeface="Montserrat Light"/>
+                <a:ea typeface="Montserrat Light"/>
+                <a:cs typeface="Montserrat Light"/>
+                <a:sym typeface="Montserrat Light"/>
+              </a:rPr>
+              <a:t>Footer : l'absence des liens de social média</a:t>
+            </a:r>
+            <a:endParaRPr sz="1700">
+              <a:solidFill>
+                <a:srgbClr val="3C78D8"/>
+              </a:solidFill>
+              <a:latin typeface="Montserrat Light"/>
+              <a:ea typeface="Montserrat Light"/>
+              <a:cs typeface="Montserrat Light"/>
+              <a:sym typeface="Montserrat Light"/>
+            </a:endParaRPr>
+          </a:p>
+        </p:txBody>
+      </p:sp>
+      <p:pic>
+        <p:nvPicPr>
+          <p:cNvPr id="138" name="Google Shape;138;gbe6b11afb9_0_18"/>
+          <p:cNvPicPr preferRelativeResize="0"/>
+          <p:nvPr/>
+        </p:nvPicPr>
+        <p:blipFill>
+          <a:blip r:embed="rId3">
+            <a:alphaModFix/>
+          </a:blip>
+          <a:stretch>
+            <a:fillRect/>
+          </a:stretch>
+        </p:blipFill>
+        <p:spPr>
+          <a:xfrm>
+            <a:off x="757400" y="1467500"/>
+            <a:ext cx="6432001" cy="837600"/>
+          </a:xfrm>
+          <a:prstGeom prst="rect">
+            <a:avLst/>
+          </a:prstGeom>
+          <a:noFill/>
+          <a:ln>
+            <a:noFill/>
+          </a:ln>
+        </p:spPr>
+      </p:pic>
+      <p:sp>
+        <p:nvSpPr>
+          <p:cNvPr id="139" name="Google Shape;139;gbe6b11afb9_0_18"/>
+          <p:cNvSpPr txBox="1"/>
+          <p:nvPr/>
+        </p:nvSpPr>
+        <p:spPr>
+          <a:xfrm>
+            <a:off x="757400" y="2698625"/>
+            <a:ext cx="5427600" cy="1231500"/>
+          </a:xfrm>
+          <a:prstGeom prst="rect">
+            <a:avLst/>
+          </a:prstGeom>
+          <a:noFill/>
+          <a:ln>
+            <a:noFill/>
+          </a:ln>
+        </p:spPr>
+        <p:txBody>
+          <a:bodyPr anchorCtr="0" anchor="t" bIns="91425" lIns="91425" spcFirstLastPara="1" rIns="91425" wrap="square" tIns="91425">
+            <a:spAutoFit/>
+          </a:bodyPr>
+          <a:lstStyle/>
+          <a:p>
+            <a:pPr indent="-336550" lvl="0" marL="457200" marR="0" rtl="0" algn="l">
+              <a:lnSpc>
+                <a:spcPct val="150000"/>
+              </a:lnSpc>
+              <a:spcBef>
+                <a:spcPts val="0"/>
+              </a:spcBef>
+              <a:spcAft>
+                <a:spcPts val="0"/>
+              </a:spcAft>
+              <a:buClr>
+                <a:srgbClr val="3C78D8"/>
+              </a:buClr>
+              <a:buSzPts val="1700"/>
+              <a:buFont typeface="Montserrat Light"/>
+              <a:buChar char="➔"/>
+            </a:pPr>
+            <a:r>
+              <a:rPr lang="fr" sz="1700">
+                <a:solidFill>
+                  <a:srgbClr val="3C78D8"/>
+                </a:solidFill>
+                <a:latin typeface="Montserrat Light"/>
+                <a:ea typeface="Montserrat Light"/>
+                <a:cs typeface="Montserrat Light"/>
+                <a:sym typeface="Montserrat Light"/>
+              </a:rPr>
+              <a:t>Image</a:t>
+            </a:r>
+            <a:r>
+              <a:rPr lang="fr" sz="1700">
+                <a:solidFill>
+                  <a:srgbClr val="3C78D8"/>
+                </a:solidFill>
+                <a:latin typeface="Montserrat Light"/>
+                <a:ea typeface="Montserrat Light"/>
+                <a:cs typeface="Montserrat Light"/>
+                <a:sym typeface="Montserrat Light"/>
+              </a:rPr>
+              <a:t> : </a:t>
+            </a:r>
+            <a:r>
+              <a:rPr lang="fr" sz="1700">
+                <a:solidFill>
+                  <a:srgbClr val="3C78D8"/>
+                </a:solidFill>
+                <a:latin typeface="Montserrat Light"/>
+                <a:ea typeface="Montserrat Light"/>
+                <a:cs typeface="Montserrat Light"/>
+                <a:sym typeface="Montserrat Light"/>
+              </a:rPr>
+              <a:t>mauvais qualité</a:t>
+            </a:r>
+            <a:endParaRPr sz="1700">
+              <a:solidFill>
+                <a:srgbClr val="3C78D8"/>
+              </a:solidFill>
+              <a:latin typeface="Montserrat Light"/>
+              <a:ea typeface="Montserrat Light"/>
+              <a:cs typeface="Montserrat Light"/>
+              <a:sym typeface="Montserrat Light"/>
+            </a:endParaRPr>
+          </a:p>
+          <a:p>
+            <a:pPr indent="-336550" lvl="0" marL="457200" marR="0" rtl="0" algn="l">
+              <a:lnSpc>
+                <a:spcPct val="150000"/>
+              </a:lnSpc>
+              <a:spcBef>
+                <a:spcPts val="0"/>
+              </a:spcBef>
+              <a:spcAft>
+                <a:spcPts val="0"/>
+              </a:spcAft>
+              <a:buClr>
+                <a:srgbClr val="3C78D8"/>
+              </a:buClr>
+              <a:buSzPts val="1700"/>
+              <a:buFont typeface="Montserrat Light"/>
+              <a:buChar char="➔"/>
+            </a:pPr>
+            <a:r>
+              <a:rPr lang="fr" sz="1700">
+                <a:solidFill>
+                  <a:srgbClr val="3C78D8"/>
+                </a:solidFill>
+                <a:latin typeface="Montserrat Light"/>
+                <a:ea typeface="Montserrat Light"/>
+                <a:cs typeface="Montserrat Light"/>
+                <a:sym typeface="Montserrat Light"/>
+              </a:rPr>
+              <a:t>Slide : mal fonctionné</a:t>
+            </a:r>
+            <a:endParaRPr sz="1700">
+              <a:solidFill>
+                <a:srgbClr val="3C78D8"/>
+              </a:solidFill>
+              <a:latin typeface="Montserrat Light"/>
+              <a:ea typeface="Montserrat Light"/>
+              <a:cs typeface="Montserrat Light"/>
+              <a:sym typeface="Montserrat Light"/>
+            </a:endParaRPr>
+          </a:p>
+          <a:p>
+            <a:pPr indent="-336550" lvl="0" marL="457200" marR="0" rtl="0" algn="l">
+              <a:lnSpc>
+                <a:spcPct val="150000"/>
+              </a:lnSpc>
+              <a:spcBef>
+                <a:spcPts val="0"/>
+              </a:spcBef>
+              <a:spcAft>
+                <a:spcPts val="0"/>
+              </a:spcAft>
+              <a:buClr>
+                <a:srgbClr val="3C78D8"/>
+              </a:buClr>
+              <a:buSzPts val="1700"/>
+              <a:buFont typeface="Montserrat Light"/>
+              <a:buChar char="➔"/>
+            </a:pPr>
+            <a:r>
+              <a:rPr lang="fr" sz="1700">
+                <a:solidFill>
+                  <a:srgbClr val="3C78D8"/>
+                </a:solidFill>
+                <a:latin typeface="Montserrat Light"/>
+                <a:ea typeface="Montserrat Light"/>
+                <a:cs typeface="Montserrat Light"/>
+                <a:sym typeface="Montserrat Light"/>
+              </a:rPr>
+              <a:t>Le site est trés lent</a:t>
+            </a:r>
+            <a:endParaRPr sz="1700">
+              <a:solidFill>
+                <a:srgbClr val="3C78D8"/>
+              </a:solidFill>
+              <a:latin typeface="Montserrat Light"/>
+              <a:ea typeface="Montserrat Light"/>
+              <a:cs typeface="Montserrat Light"/>
+              <a:sym typeface="Montserrat Light"/>
+            </a:endParaRPr>
           </a:p>
         </p:txBody>
       </p:sp>
@@ -31977,7 +33216,7 @@
   <p:cSld>
     <p:spTree>
       <p:nvGrpSpPr>
-        <p:cNvPr id="130" name="Shape 130"/>
+        <p:cNvPr id="143" name="Shape 143"/>
         <p:cNvGrpSpPr/>
         <p:nvPr/>
       </p:nvGrpSpPr>
@@ -31991,7 +33230,7 @@
       </p:grpSpPr>
       <p:sp>
         <p:nvSpPr>
-          <p:cNvPr id="131" name="Google Shape;131;gbd65639415_1_28"/>
+          <p:cNvPr id="144" name="Google Shape;144;gbd65639415_1_23"/>
           <p:cNvSpPr txBox="1"/>
           <p:nvPr>
             <p:ph type="title"/>
@@ -32031,7 +33270,7 @@
             </a:pPr>
             <a:r>
               <a:rPr lang="fr" sz="3500"/>
-              <a:t>Prototype de solution</a:t>
+              <a:t>La solution</a:t>
             </a:r>
             <a:endParaRPr sz="3500"/>
           </a:p>
@@ -32050,7 +33289,7 @@
   <p:cSld>
     <p:spTree>
       <p:nvGrpSpPr>
-        <p:cNvPr id="135" name="Shape 135"/>
+        <p:cNvPr id="148" name="Shape 148"/>
         <p:cNvGrpSpPr/>
         <p:nvPr/>
       </p:nvGrpSpPr>
@@ -32064,7 +33303,7 @@
       </p:grpSpPr>
       <p:sp>
         <p:nvSpPr>
-          <p:cNvPr id="136" name="Google Shape;136;gbd65639415_1_33"/>
+          <p:cNvPr id="149" name="Google Shape;149;gbd65639415_1_28"/>
           <p:cNvSpPr txBox="1"/>
           <p:nvPr>
             <p:ph type="title"/>
@@ -32104,7 +33343,7 @@
             </a:pPr>
             <a:r>
               <a:rPr lang="fr" sz="3500"/>
-              <a:t>Tester la solution</a:t>
+              <a:t>Prototype de solution</a:t>
             </a:r>
             <a:endParaRPr sz="3500"/>
           </a:p>

--- a/Présentation/Projet_5.pptx
+++ b/Présentation/Projet_5.pptx
@@ -288,7 +288,7 @@
       </p15:sldGuideLst>
     </p:ext>
     <p:ext uri="http://customooxmlschemas.google.com/">
-      <go:slidesCustomData xmlns:go="http://customooxmlschemas.google.com/" r:id="rId27" roundtripDataSignature="AMtx7mjq/SBw9qnfMrsOxmWz9MDuqc4iRw=="/>
+      <go:slidesCustomData xmlns:go="http://customooxmlschemas.google.com/" r:id="rId27" roundtripDataSignature="AMtx7mhCdWQvLUXZFXqLRZ5mZFu6mj6O5g=="/>
     </p:ext>
   </p:extLst>
 </p:presentation>
@@ -977,7 +977,7 @@
   <p:cSld>
     <p:spTree>
       <p:nvGrpSpPr>
-        <p:cNvPr id="150" name="Shape 150"/>
+        <p:cNvPr id="151" name="Shape 151"/>
         <p:cNvGrpSpPr/>
         <p:nvPr/>
       </p:nvGrpSpPr>
@@ -991,7 +991,7 @@
       </p:grpSpPr>
       <p:sp>
         <p:nvSpPr>
-          <p:cNvPr id="151" name="Google Shape;151;gbd65639415_1_33:notes"/>
+          <p:cNvPr id="152" name="Google Shape;152;gbd65639415_1_33:notes"/>
           <p:cNvSpPr/>
           <p:nvPr>
             <p:ph idx="2" type="sldImg"/>
@@ -1036,7 +1036,7 @@
       </p:sp>
       <p:sp>
         <p:nvSpPr>
-          <p:cNvPr id="152" name="Google Shape;152;gbd65639415_1_33:notes"/>
+          <p:cNvPr id="153" name="Google Shape;153;gbd65639415_1_33:notes"/>
           <p:cNvSpPr txBox="1"/>
           <p:nvPr>
             <p:ph idx="1" type="body"/>
@@ -1094,7 +1094,7 @@
   <p:cSld>
     <p:spTree>
       <p:nvGrpSpPr>
-        <p:cNvPr id="155" name="Shape 155"/>
+        <p:cNvPr id="156" name="Shape 156"/>
         <p:cNvGrpSpPr/>
         <p:nvPr/>
       </p:nvGrpSpPr>
@@ -1108,7 +1108,7 @@
       </p:grpSpPr>
       <p:sp>
         <p:nvSpPr>
-          <p:cNvPr id="156" name="Google Shape;156;gbd65639415_1_38:notes"/>
+          <p:cNvPr id="157" name="Google Shape;157;gbd65639415_1_38:notes"/>
           <p:cNvSpPr/>
           <p:nvPr>
             <p:ph idx="2" type="sldImg"/>
@@ -1153,7 +1153,7 @@
       </p:sp>
       <p:sp>
         <p:nvSpPr>
-          <p:cNvPr id="157" name="Google Shape;157;gbd65639415_1_38:notes"/>
+          <p:cNvPr id="158" name="Google Shape;158;gbd65639415_1_38:notes"/>
           <p:cNvSpPr txBox="1"/>
           <p:nvPr>
             <p:ph idx="1" type="body"/>
@@ -2030,7 +2030,7 @@
   <p:cSld>
     <p:spTree>
       <p:nvGrpSpPr>
-        <p:cNvPr id="145" name="Shape 145"/>
+        <p:cNvPr id="146" name="Shape 146"/>
         <p:cNvGrpSpPr/>
         <p:nvPr/>
       </p:nvGrpSpPr>
@@ -2044,7 +2044,7 @@
       </p:grpSpPr>
       <p:sp>
         <p:nvSpPr>
-          <p:cNvPr id="146" name="Google Shape;146;gbd65639415_1_28:notes"/>
+          <p:cNvPr id="147" name="Google Shape;147;gbd65639415_1_28:notes"/>
           <p:cNvSpPr/>
           <p:nvPr>
             <p:ph idx="2" type="sldImg"/>
@@ -2089,7 +2089,7 @@
       </p:sp>
       <p:sp>
         <p:nvSpPr>
-          <p:cNvPr id="147" name="Google Shape;147;gbd65639415_1_28:notes"/>
+          <p:cNvPr id="148" name="Google Shape;148;gbd65639415_1_28:notes"/>
           <p:cNvSpPr txBox="1"/>
           <p:nvPr>
             <p:ph idx="1" type="body"/>
@@ -31174,7 +31174,7 @@
   <p:cSld>
     <p:spTree>
       <p:nvGrpSpPr>
-        <p:cNvPr id="153" name="Shape 153"/>
+        <p:cNvPr id="154" name="Shape 154"/>
         <p:cNvGrpSpPr/>
         <p:nvPr/>
       </p:nvGrpSpPr>
@@ -31188,7 +31188,7 @@
       </p:grpSpPr>
       <p:sp>
         <p:nvSpPr>
-          <p:cNvPr id="154" name="Google Shape;154;gbd65639415_1_33"/>
+          <p:cNvPr id="155" name="Google Shape;155;gbd65639415_1_33"/>
           <p:cNvSpPr txBox="1"/>
           <p:nvPr>
             <p:ph type="title"/>
@@ -31247,7 +31247,7 @@
   <p:cSld>
     <p:spTree>
       <p:nvGrpSpPr>
-        <p:cNvPr id="158" name="Shape 158"/>
+        <p:cNvPr id="159" name="Shape 159"/>
         <p:cNvGrpSpPr/>
         <p:nvPr/>
       </p:nvGrpSpPr>
@@ -31261,7 +31261,7 @@
       </p:grpSpPr>
       <p:sp>
         <p:nvSpPr>
-          <p:cNvPr id="159" name="Google Shape;159;gbd65639415_1_38"/>
+          <p:cNvPr id="160" name="Google Shape;160;gbd65639415_1_38"/>
           <p:cNvSpPr txBox="1"/>
           <p:nvPr>
             <p:ph type="title"/>
@@ -32800,31 +32800,7 @@
                 <a:cs typeface="Montserrat Light"/>
                 <a:sym typeface="Montserrat Light"/>
               </a:rPr>
-              <a:t>Les cartes : </a:t>
-            </a:r>
-            <a:r>
-              <a:rPr lang="fr" sz="1700">
-                <a:solidFill>
-                  <a:srgbClr val="3C78D8"/>
-                </a:solidFill>
-                <a:latin typeface="Montserrat Light"/>
-                <a:ea typeface="Montserrat Light"/>
-                <a:cs typeface="Montserrat Light"/>
-                <a:sym typeface="Montserrat Light"/>
-              </a:rPr>
-              <a:t>Problème</a:t>
-            </a:r>
-            <a:r>
-              <a:rPr lang="fr" sz="1700">
-                <a:solidFill>
-                  <a:srgbClr val="3C78D8"/>
-                </a:solidFill>
-                <a:latin typeface="Montserrat Light"/>
-                <a:ea typeface="Montserrat Light"/>
-                <a:cs typeface="Montserrat Light"/>
-                <a:sym typeface="Montserrat Light"/>
-              </a:rPr>
-              <a:t> de margin</a:t>
+              <a:t>Les cartes : sont coller</a:t>
             </a:r>
             <a:endParaRPr sz="1700">
               <a:solidFill>
@@ -33042,7 +33018,7 @@
         <p:spPr>
           <a:xfrm>
             <a:off x="757400" y="2698625"/>
-            <a:ext cx="5427600" cy="1231500"/>
+            <a:ext cx="5427600" cy="1623900"/>
           </a:xfrm>
           <a:prstGeom prst="rect">
             <a:avLst/>
@@ -33190,6 +33166,46 @@
                 <a:sym typeface="Montserrat Light"/>
               </a:rPr>
               <a:t>Le site est trés lent</a:t>
+            </a:r>
+            <a:endParaRPr sz="1700">
+              <a:solidFill>
+                <a:srgbClr val="3C78D8"/>
+              </a:solidFill>
+              <a:latin typeface="Montserrat Light"/>
+              <a:ea typeface="Montserrat Light"/>
+              <a:cs typeface="Montserrat Light"/>
+              <a:sym typeface="Montserrat Light"/>
+            </a:endParaRPr>
+          </a:p>
+          <a:p>
+            <a:pPr indent="-336550" lvl="0" marL="457200" marR="0" rtl="0" algn="l">
+              <a:lnSpc>
+                <a:spcPct val="150000"/>
+              </a:lnSpc>
+              <a:spcBef>
+                <a:spcPts val="0"/>
+              </a:spcBef>
+              <a:spcAft>
+                <a:spcPts val="0"/>
+              </a:spcAft>
+              <a:buClr>
+                <a:srgbClr val="3C78D8"/>
+              </a:buClr>
+              <a:buSzPts val="1700"/>
+              <a:buFont typeface="Montserrat Light"/>
+              <a:buChar char="➔"/>
+            </a:pPr>
+            <a:r>
+              <a:rPr lang="fr" sz="1700">
+                <a:solidFill>
+                  <a:srgbClr val="3C78D8"/>
+                </a:solidFill>
+                <a:latin typeface="Montserrat Light"/>
+                <a:ea typeface="Montserrat Light"/>
+                <a:cs typeface="Montserrat Light"/>
+                <a:sym typeface="Montserrat Light"/>
+              </a:rPr>
+              <a:t>Beaucoup des logos</a:t>
             </a:r>
             <a:endParaRPr sz="1700">
               <a:solidFill>
@@ -33276,6 +33292,63 @@
           </a:p>
         </p:txBody>
       </p:sp>
+      <p:sp>
+        <p:nvSpPr>
+          <p:cNvPr id="145" name="Google Shape;145;gbd65639415_1_23"/>
+          <p:cNvSpPr txBox="1"/>
+          <p:nvPr/>
+        </p:nvSpPr>
+        <p:spPr>
+          <a:xfrm>
+            <a:off x="643300" y="1053850"/>
+            <a:ext cx="5427600" cy="446400"/>
+          </a:xfrm>
+          <a:prstGeom prst="rect">
+            <a:avLst/>
+          </a:prstGeom>
+          <a:noFill/>
+          <a:ln>
+            <a:noFill/>
+          </a:ln>
+        </p:spPr>
+        <p:txBody>
+          <a:bodyPr anchorCtr="0" anchor="t" bIns="91425" lIns="91425" spcFirstLastPara="1" rIns="91425" wrap="square" tIns="91425">
+            <a:spAutoFit/>
+          </a:bodyPr>
+          <a:lstStyle/>
+          <a:p>
+            <a:pPr indent="-336550" lvl="0" marL="457200" marR="0" rtl="0" algn="l">
+              <a:lnSpc>
+                <a:spcPct val="150000"/>
+              </a:lnSpc>
+              <a:spcBef>
+                <a:spcPts val="0"/>
+              </a:spcBef>
+              <a:spcAft>
+                <a:spcPts val="0"/>
+              </a:spcAft>
+              <a:buClr>
+                <a:srgbClr val="3C78D8"/>
+              </a:buClr>
+              <a:buSzPts val="1700"/>
+              <a:buFont typeface="Montserrat Light"/>
+              <a:buChar char="➔"/>
+            </a:pPr>
+            <a:r>
+              <a:t/>
+            </a:r>
+            <a:endParaRPr sz="1700">
+              <a:solidFill>
+                <a:srgbClr val="3C78D8"/>
+              </a:solidFill>
+              <a:latin typeface="Montserrat Light"/>
+              <a:ea typeface="Montserrat Light"/>
+              <a:cs typeface="Montserrat Light"/>
+              <a:sym typeface="Montserrat Light"/>
+            </a:endParaRPr>
+          </a:p>
+        </p:txBody>
+      </p:sp>
     </p:spTree>
   </p:cSld>
   <p:clrMapOvr>
@@ -33289,7 +33362,7 @@
   <p:cSld>
     <p:spTree>
       <p:nvGrpSpPr>
-        <p:cNvPr id="148" name="Shape 148"/>
+        <p:cNvPr id="149" name="Shape 149"/>
         <p:cNvGrpSpPr/>
         <p:nvPr/>
       </p:nvGrpSpPr>
@@ -33303,7 +33376,7 @@
       </p:grpSpPr>
       <p:sp>
         <p:nvSpPr>
-          <p:cNvPr id="149" name="Google Shape;149;gbd65639415_1_28"/>
+          <p:cNvPr id="150" name="Google Shape;150;gbd65639415_1_28"/>
           <p:cNvSpPr txBox="1"/>
           <p:nvPr>
             <p:ph type="title"/>

--- a/Présentation/Projet_5.pptx
+++ b/Présentation/Projet_5.pptx
@@ -33018,7 +33018,7 @@
         <p:spPr>
           <a:xfrm>
             <a:off x="757400" y="2698625"/>
-            <a:ext cx="5427600" cy="1623900"/>
+            <a:ext cx="5427600" cy="2016300"/>
           </a:xfrm>
           <a:prstGeom prst="rect">
             <a:avLst/>
@@ -33206,6 +33206,46 @@
                 <a:sym typeface="Montserrat Light"/>
               </a:rPr>
               <a:t>Beaucoup des logos</a:t>
+            </a:r>
+            <a:endParaRPr sz="1700">
+              <a:solidFill>
+                <a:srgbClr val="3C78D8"/>
+              </a:solidFill>
+              <a:latin typeface="Montserrat Light"/>
+              <a:ea typeface="Montserrat Light"/>
+              <a:cs typeface="Montserrat Light"/>
+              <a:sym typeface="Montserrat Light"/>
+            </a:endParaRPr>
+          </a:p>
+          <a:p>
+            <a:pPr indent="-336550" lvl="0" marL="457200" marR="0" rtl="0" algn="l">
+              <a:lnSpc>
+                <a:spcPct val="150000"/>
+              </a:lnSpc>
+              <a:spcBef>
+                <a:spcPts val="0"/>
+              </a:spcBef>
+              <a:spcAft>
+                <a:spcPts val="0"/>
+              </a:spcAft>
+              <a:buClr>
+                <a:srgbClr val="3C78D8"/>
+              </a:buClr>
+              <a:buSzPts val="1700"/>
+              <a:buFont typeface="Montserrat Light"/>
+              <a:buChar char="➔"/>
+            </a:pPr>
+            <a:r>
+              <a:rPr lang="fr" sz="1700">
+                <a:solidFill>
+                  <a:srgbClr val="3C78D8"/>
+                </a:solidFill>
+                <a:latin typeface="Montserrat Light"/>
+                <a:ea typeface="Montserrat Light"/>
+                <a:cs typeface="Montserrat Light"/>
+                <a:sym typeface="Montserrat Light"/>
+              </a:rPr>
+              <a:t>Aucun description de Simplon</a:t>
             </a:r>
             <a:endParaRPr sz="1700">
               <a:solidFill>
@@ -33301,7 +33341,7 @@
         <p:spPr>
           <a:xfrm>
             <a:off x="643300" y="1053850"/>
-            <a:ext cx="5427600" cy="446400"/>
+            <a:ext cx="5427600" cy="2801400"/>
           </a:xfrm>
           <a:prstGeom prst="rect">
             <a:avLst/>
@@ -33333,6 +33373,213 @@
               <a:buSzPts val="1700"/>
               <a:buFont typeface="Montserrat Light"/>
               <a:buChar char="➔"/>
+            </a:pPr>
+            <a:r>
+              <a:rPr lang="fr" sz="1700">
+                <a:solidFill>
+                  <a:srgbClr val="3C78D8"/>
+                </a:solidFill>
+                <a:latin typeface="Montserrat Light"/>
+                <a:ea typeface="Montserrat Light"/>
+                <a:cs typeface="Montserrat Light"/>
+                <a:sym typeface="Montserrat Light"/>
+              </a:rPr>
+              <a:t>Ajouter le lien de Programme </a:t>
+            </a:r>
+            <a:endParaRPr sz="1700">
+              <a:solidFill>
+                <a:srgbClr val="3C78D8"/>
+              </a:solidFill>
+              <a:latin typeface="Montserrat Light"/>
+              <a:ea typeface="Montserrat Light"/>
+              <a:cs typeface="Montserrat Light"/>
+              <a:sym typeface="Montserrat Light"/>
+            </a:endParaRPr>
+          </a:p>
+          <a:p>
+            <a:pPr indent="-336550" lvl="0" marL="457200" marR="0" rtl="0" algn="l">
+              <a:lnSpc>
+                <a:spcPct val="150000"/>
+              </a:lnSpc>
+              <a:spcBef>
+                <a:spcPts val="0"/>
+              </a:spcBef>
+              <a:spcAft>
+                <a:spcPts val="0"/>
+              </a:spcAft>
+              <a:buClr>
+                <a:srgbClr val="3C78D8"/>
+              </a:buClr>
+              <a:buSzPts val="1700"/>
+              <a:buFont typeface="Montserrat Light"/>
+              <a:buChar char="➔"/>
+            </a:pPr>
+            <a:r>
+              <a:rPr lang="fr" sz="1700">
+                <a:solidFill>
+                  <a:srgbClr val="3C78D8"/>
+                </a:solidFill>
+                <a:latin typeface="Montserrat Light"/>
+                <a:ea typeface="Montserrat Light"/>
+                <a:cs typeface="Montserrat Light"/>
+                <a:sym typeface="Montserrat Light"/>
+              </a:rPr>
+              <a:t>Suppression de logos circulair</a:t>
+            </a:r>
+            <a:endParaRPr sz="1700">
+              <a:solidFill>
+                <a:srgbClr val="3C78D8"/>
+              </a:solidFill>
+              <a:latin typeface="Montserrat Light"/>
+              <a:ea typeface="Montserrat Light"/>
+              <a:cs typeface="Montserrat Light"/>
+              <a:sym typeface="Montserrat Light"/>
+            </a:endParaRPr>
+          </a:p>
+          <a:p>
+            <a:pPr indent="-336550" lvl="0" marL="457200" marR="0" rtl="0" algn="l">
+              <a:lnSpc>
+                <a:spcPct val="150000"/>
+              </a:lnSpc>
+              <a:spcBef>
+                <a:spcPts val="0"/>
+              </a:spcBef>
+              <a:spcAft>
+                <a:spcPts val="0"/>
+              </a:spcAft>
+              <a:buClr>
+                <a:srgbClr val="3C78D8"/>
+              </a:buClr>
+              <a:buSzPts val="1700"/>
+              <a:buFont typeface="Montserrat Light"/>
+              <a:buChar char="➔"/>
+            </a:pPr>
+            <a:r>
+              <a:rPr lang="fr" sz="1700">
+                <a:solidFill>
+                  <a:srgbClr val="3C78D8"/>
+                </a:solidFill>
+                <a:latin typeface="Montserrat Light"/>
+                <a:ea typeface="Montserrat Light"/>
+                <a:cs typeface="Montserrat Light"/>
+                <a:sym typeface="Montserrat Light"/>
+              </a:rPr>
+              <a:t>Ajouter un section de description de Simplon à page page d'accueil</a:t>
+            </a:r>
+            <a:endParaRPr sz="1700">
+              <a:solidFill>
+                <a:srgbClr val="3C78D8"/>
+              </a:solidFill>
+              <a:latin typeface="Montserrat Light"/>
+              <a:ea typeface="Montserrat Light"/>
+              <a:cs typeface="Montserrat Light"/>
+              <a:sym typeface="Montserrat Light"/>
+            </a:endParaRPr>
+          </a:p>
+          <a:p>
+            <a:pPr indent="-336550" lvl="0" marL="457200" marR="0" rtl="0" algn="l">
+              <a:lnSpc>
+                <a:spcPct val="150000"/>
+              </a:lnSpc>
+              <a:spcBef>
+                <a:spcPts val="0"/>
+              </a:spcBef>
+              <a:spcAft>
+                <a:spcPts val="0"/>
+              </a:spcAft>
+              <a:buClr>
+                <a:srgbClr val="3C78D8"/>
+              </a:buClr>
+              <a:buSzPts val="1700"/>
+              <a:buFont typeface="Montserrat Light"/>
+              <a:buChar char="➔"/>
+            </a:pPr>
+            <a:r>
+              <a:rPr lang="fr" sz="1700">
+                <a:solidFill>
+                  <a:srgbClr val="3C78D8"/>
+                </a:solidFill>
+                <a:latin typeface="Montserrat Light"/>
+                <a:ea typeface="Montserrat Light"/>
+                <a:cs typeface="Montserrat Light"/>
+                <a:sym typeface="Montserrat Light"/>
+              </a:rPr>
+              <a:t>mise à niveau le slide</a:t>
+            </a:r>
+            <a:endParaRPr sz="1700">
+              <a:solidFill>
+                <a:srgbClr val="3C78D8"/>
+              </a:solidFill>
+              <a:latin typeface="Montserrat Light"/>
+              <a:ea typeface="Montserrat Light"/>
+              <a:cs typeface="Montserrat Light"/>
+              <a:sym typeface="Montserrat Light"/>
+            </a:endParaRPr>
+          </a:p>
+          <a:p>
+            <a:pPr indent="-336550" lvl="0" marL="457200" marR="0" rtl="0" algn="l">
+              <a:lnSpc>
+                <a:spcPct val="150000"/>
+              </a:lnSpc>
+              <a:spcBef>
+                <a:spcPts val="0"/>
+              </a:spcBef>
+              <a:spcAft>
+                <a:spcPts val="0"/>
+              </a:spcAft>
+              <a:buClr>
+                <a:srgbClr val="3C78D8"/>
+              </a:buClr>
+              <a:buSzPts val="1700"/>
+              <a:buFont typeface="Montserrat Light"/>
+              <a:buChar char="➔"/>
+            </a:pPr>
+            <a:r>
+              <a:rPr lang="fr" sz="1700">
+                <a:solidFill>
+                  <a:srgbClr val="3C78D8"/>
+                </a:solidFill>
+                <a:latin typeface="Montserrat Light"/>
+                <a:ea typeface="Montserrat Light"/>
+                <a:cs typeface="Montserrat Light"/>
+                <a:sym typeface="Montserrat Light"/>
+              </a:rPr>
+              <a:t>mise à niveau les cartes de page </a:t>
+            </a:r>
+            <a:r>
+              <a:rPr lang="fr" sz="1700">
+                <a:solidFill>
+                  <a:srgbClr val="3C78D8"/>
+                </a:solidFill>
+                <a:latin typeface="Montserrat Light"/>
+                <a:ea typeface="Montserrat Light"/>
+                <a:cs typeface="Montserrat Light"/>
+                <a:sym typeface="Montserrat Light"/>
+              </a:rPr>
+              <a:t>d'activité</a:t>
+            </a:r>
+            <a:endParaRPr sz="1700">
+              <a:solidFill>
+                <a:srgbClr val="3C78D8"/>
+              </a:solidFill>
+              <a:latin typeface="Montserrat Light"/>
+              <a:ea typeface="Montserrat Light"/>
+              <a:cs typeface="Montserrat Light"/>
+              <a:sym typeface="Montserrat Light"/>
+            </a:endParaRPr>
+          </a:p>
+          <a:p>
+            <a:pPr indent="0" lvl="0" marL="0" rtl="0" algn="l">
+              <a:lnSpc>
+                <a:spcPct val="150000"/>
+              </a:lnSpc>
+              <a:spcBef>
+                <a:spcPts val="0"/>
+              </a:spcBef>
+              <a:spcAft>
+                <a:spcPts val="0"/>
+              </a:spcAft>
+              <a:buNone/>
             </a:pPr>
             <a:r>
               <a:t/>
@@ -33431,6 +33678,285 @@
 </file>
 
 <file path=ppt/theme/theme1.xml><?xml version="1.0" encoding="utf-8"?>
+<a:theme xmlns:a="http://schemas.openxmlformats.org/drawingml/2006/main" xmlns:r="http://schemas.openxmlformats.org/officeDocument/2006/relationships">
+  <a:themeElements>
+    <a:clrScheme name="Default">
+      <a:dk1>
+        <a:srgbClr val="000000"/>
+      </a:dk1>
+      <a:lt1>
+        <a:srgbClr val="FFFFFF"/>
+      </a:lt1>
+      <a:dk2>
+        <a:srgbClr val="158158"/>
+      </a:dk2>
+      <a:lt2>
+        <a:srgbClr val="F3F3F3"/>
+      </a:lt2>
+      <a:accent1>
+        <a:srgbClr val="058DC7"/>
+      </a:accent1>
+      <a:accent2>
+        <a:srgbClr val="50B432"/>
+      </a:accent2>
+      <a:accent3>
+        <a:srgbClr val="ED561B"/>
+      </a:accent3>
+      <a:accent4>
+        <a:srgbClr val="EDEF00"/>
+      </a:accent4>
+      <a:accent5>
+        <a:srgbClr val="24CBE5"/>
+      </a:accent5>
+      <a:accent6>
+        <a:srgbClr val="64E572"/>
+      </a:accent6>
+      <a:hlink>
+        <a:srgbClr val="2200CC"/>
+      </a:hlink>
+      <a:folHlink>
+        <a:srgbClr val="551A8B"/>
+      </a:folHlink>
+    </a:clrScheme>
+    <a:fontScheme name="Office">
+      <a:majorFont>
+        <a:latin typeface="Arial"/>
+        <a:ea typeface=""/>
+        <a:cs typeface=""/>
+        <a:font script="Jpan" typeface="ＭＳ Ｐゴシック"/>
+        <a:font script="Hang" typeface="맑은 고딕"/>
+        <a:font script="Hans" typeface="宋体"/>
+        <a:font script="Hant" typeface="新細明體"/>
+        <a:font script="Arab" typeface="Times New Roman"/>
+        <a:font script="Hebr" typeface="Times New Roman"/>
+        <a:font script="Thai" typeface="Angsana New"/>
+        <a:font script="Ethi" typeface="Nyala"/>
+        <a:font script="Beng" typeface="Vrinda"/>
+        <a:font script="Gujr" typeface="Shruti"/>
+        <a:font script="Khmr" typeface="MoolBoran"/>
+        <a:font script="Knda" typeface="Tunga"/>
+        <a:font script="Guru" typeface="Raavi"/>
+        <a:font script="Cans" typeface="Euphemia"/>
+        <a:font script="Cher" typeface="Plantagenet Cherokee"/>
+        <a:font script="Yiii" typeface="Microsoft Yi Baiti"/>
+        <a:font script="Tibt" typeface="Microsoft Himalaya"/>
+        <a:font script="Thaa" typeface="MV Boli"/>
+        <a:font script="Deva" typeface="Mangal"/>
+        <a:font script="Telu" typeface="Gautami"/>
+        <a:font script="Taml" typeface="Latha"/>
+        <a:font script="Syrc" typeface="Estrangelo Edessa"/>
+        <a:font script="Orya" typeface="Kalinga"/>
+        <a:font script="Mlym" typeface="Kartika"/>
+        <a:font script="Laoo" typeface="DokChampa"/>
+        <a:font script="Sinh" typeface="Iskoola Pota"/>
+        <a:font script="Mong" typeface="Mongolian Baiti"/>
+        <a:font script="Viet" typeface="Times New Roman"/>
+        <a:font script="Uigh" typeface="Microsoft Uighur"/>
+        <a:font script="Geor" typeface="Sylfaen"/>
+      </a:majorFont>
+      <a:minorFont>
+        <a:latin typeface="Arial"/>
+        <a:ea typeface=""/>
+        <a:cs typeface=""/>
+        <a:font script="Jpan" typeface="ＭＳ Ｐゴシック"/>
+        <a:font script="Hang" typeface="맑은 고딕"/>
+        <a:font script="Hans" typeface="宋体"/>
+        <a:font script="Hant" typeface="新細明體"/>
+        <a:font script="Arab" typeface="Arial"/>
+        <a:font script="Hebr" typeface="Arial"/>
+        <a:font script="Thai" typeface="Cordia New"/>
+        <a:font script="Ethi" typeface="Nyala"/>
+        <a:font script="Beng" typeface="Vrinda"/>
+        <a:font script="Gujr" typeface="Shruti"/>
+        <a:font script="Khmr" typeface="DaunPenh"/>
+        <a:font script="Knda" typeface="Tunga"/>
+        <a:font script="Guru" typeface="Raavi"/>
+        <a:font script="Cans" typeface="Euphemia"/>
+        <a:font script="Cher" typeface="Plantagenet Cherokee"/>
+        <a:font script="Yiii" typeface="Microsoft Yi Baiti"/>
+        <a:font script="Tibt" typeface="Microsoft Himalaya"/>
+        <a:font script="Thaa" typeface="MV Boli"/>
+        <a:font script="Deva" typeface="Mangal"/>
+        <a:font script="Telu" typeface="Gautami"/>
+        <a:font script="Taml" typeface="Latha"/>
+        <a:font script="Syrc" typeface="Estrangelo Edessa"/>
+        <a:font script="Orya" typeface="Kalinga"/>
+        <a:font script="Mlym" typeface="Kartika"/>
+        <a:font script="Laoo" typeface="DokChampa"/>
+        <a:font script="Sinh" typeface="Iskoola Pota"/>
+        <a:font script="Mong" typeface="Mongolian Baiti"/>
+        <a:font script="Viet" typeface="Arial"/>
+        <a:font script="Uigh" typeface="Microsoft Uighur"/>
+        <a:font script="Geor" typeface="Sylfaen"/>
+      </a:minorFont>
+    </a:fontScheme>
+    <a:fmtScheme name="Office">
+      <a:fillStyleLst>
+        <a:solidFill>
+          <a:schemeClr val="phClr"/>
+        </a:solidFill>
+        <a:gradFill rotWithShape="1">
+          <a:gsLst>
+            <a:gs pos="0">
+              <a:schemeClr val="phClr">
+                <a:tint val="50000"/>
+                <a:satMod val="300000"/>
+              </a:schemeClr>
+            </a:gs>
+            <a:gs pos="35000">
+              <a:schemeClr val="phClr">
+                <a:tint val="37000"/>
+                <a:satMod val="300000"/>
+              </a:schemeClr>
+            </a:gs>
+            <a:gs pos="100000">
+              <a:schemeClr val="phClr">
+                <a:tint val="15000"/>
+                <a:satMod val="350000"/>
+              </a:schemeClr>
+            </a:gs>
+          </a:gsLst>
+          <a:lin ang="16200000" scaled="1"/>
+        </a:gradFill>
+        <a:gradFill rotWithShape="1">
+          <a:gsLst>
+            <a:gs pos="0">
+              <a:schemeClr val="phClr">
+                <a:tint val="100000"/>
+                <a:shade val="100000"/>
+                <a:satMod val="130000"/>
+              </a:schemeClr>
+            </a:gs>
+            <a:gs pos="100000">
+              <a:schemeClr val="phClr">
+                <a:tint val="50000"/>
+                <a:shade val="100000"/>
+                <a:satMod val="350000"/>
+              </a:schemeClr>
+            </a:gs>
+          </a:gsLst>
+          <a:lin ang="16200000" scaled="0"/>
+        </a:gradFill>
+      </a:fillStyleLst>
+      <a:lnStyleLst>
+        <a:ln w="9525" cap="flat" cmpd="sng" algn="ctr">
+          <a:solidFill>
+            <a:schemeClr val="phClr">
+              <a:shade val="95000"/>
+              <a:satMod val="105000"/>
+            </a:schemeClr>
+          </a:solidFill>
+          <a:prstDash val="solid"/>
+        </a:ln>
+        <a:ln w="25400" cap="flat" cmpd="sng" algn="ctr">
+          <a:solidFill>
+            <a:schemeClr val="phClr"/>
+          </a:solidFill>
+          <a:prstDash val="solid"/>
+        </a:ln>
+        <a:ln w="38100" cap="flat" cmpd="sng" algn="ctr">
+          <a:solidFill>
+            <a:schemeClr val="phClr"/>
+          </a:solidFill>
+          <a:prstDash val="solid"/>
+        </a:ln>
+      </a:lnStyleLst>
+      <a:effectStyleLst>
+        <a:effectStyle>
+          <a:effectLst>
+            <a:outerShdw blurRad="40000" dist="20000" dir="5400000" rotWithShape="0">
+              <a:srgbClr val="000000">
+                <a:alpha val="38000"/>
+              </a:srgbClr>
+            </a:outerShdw>
+          </a:effectLst>
+        </a:effectStyle>
+        <a:effectStyle>
+          <a:effectLst>
+            <a:outerShdw blurRad="40000" dist="23000" dir="5400000" rotWithShape="0">
+              <a:srgbClr val="000000">
+                <a:alpha val="35000"/>
+              </a:srgbClr>
+            </a:outerShdw>
+          </a:effectLst>
+        </a:effectStyle>
+        <a:effectStyle>
+          <a:effectLst>
+            <a:outerShdw blurRad="40000" dist="23000" dir="5400000" rotWithShape="0">
+              <a:srgbClr val="000000">
+                <a:alpha val="35000"/>
+              </a:srgbClr>
+            </a:outerShdw>
+          </a:effectLst>
+          <a:scene3d>
+            <a:camera prst="orthographicFront">
+              <a:rot lat="0" lon="0" rev="0"/>
+            </a:camera>
+            <a:lightRig rig="threePt" dir="t">
+              <a:rot lat="0" lon="0" rev="1200000"/>
+            </a:lightRig>
+          </a:scene3d>
+          <a:sp3d>
+            <a:bevelT w="63500" h="25400"/>
+          </a:sp3d>
+        </a:effectStyle>
+      </a:effectStyleLst>
+      <a:bgFillStyleLst>
+        <a:solidFill>
+          <a:schemeClr val="phClr"/>
+        </a:solidFill>
+        <a:gradFill rotWithShape="1">
+          <a:gsLst>
+            <a:gs pos="0">
+              <a:schemeClr val="phClr">
+                <a:tint val="40000"/>
+                <a:satMod val="350000"/>
+              </a:schemeClr>
+            </a:gs>
+            <a:gs pos="40000">
+              <a:schemeClr val="phClr">
+                <a:tint val="45000"/>
+                <a:shade val="99000"/>
+                <a:satMod val="350000"/>
+              </a:schemeClr>
+            </a:gs>
+            <a:gs pos="100000">
+              <a:schemeClr val="phClr">
+                <a:shade val="20000"/>
+                <a:satMod val="255000"/>
+              </a:schemeClr>
+            </a:gs>
+          </a:gsLst>
+          <a:path path="circle">
+            <a:fillToRect l="50000" t="-80000" r="50000" b="180000"/>
+          </a:path>
+        </a:gradFill>
+        <a:gradFill rotWithShape="1">
+          <a:gsLst>
+            <a:gs pos="0">
+              <a:schemeClr val="phClr">
+                <a:tint val="80000"/>
+                <a:satMod val="300000"/>
+              </a:schemeClr>
+            </a:gs>
+            <a:gs pos="100000">
+              <a:schemeClr val="phClr">
+                <a:shade val="30000"/>
+                <a:satMod val="200000"/>
+              </a:schemeClr>
+            </a:gs>
+          </a:gsLst>
+          <a:path path="circle">
+            <a:fillToRect l="50000" t="50000" r="50000" b="50000"/>
+          </a:path>
+        </a:gradFill>
+      </a:bgFillStyleLst>
+    </a:fmtScheme>
+  </a:themeElements>
+</a:theme>
+</file>
+
+<file path=ppt/theme/theme2.xml><?xml version="1.0" encoding="utf-8"?>
 <a:theme xmlns:a="http://schemas.openxmlformats.org/drawingml/2006/main" xmlns:r="http://schemas.openxmlformats.org/officeDocument/2006/relationships" name="Nicholas template">
   <a:themeElements>
     <a:clrScheme name="Custom 347">
@@ -33707,283 +34233,4 @@
     </a:fmtScheme>
   </a:themeElements>
 </a:theme>
-</file>
-
-<file path=ppt/theme/theme2.xml><?xml version="1.0" encoding="utf-8"?>
-<a:theme xmlns:a="http://schemas.openxmlformats.org/drawingml/2006/main" xmlns:r="http://schemas.openxmlformats.org/officeDocument/2006/relationships">
-  <a:themeElements>
-    <a:clrScheme name="Default">
-      <a:dk1>
-        <a:srgbClr val="000000"/>
-      </a:dk1>
-      <a:lt1>
-        <a:srgbClr val="FFFFFF"/>
-      </a:lt1>
-      <a:dk2>
-        <a:srgbClr val="158158"/>
-      </a:dk2>
-      <a:lt2>
-        <a:srgbClr val="F3F3F3"/>
-      </a:lt2>
-      <a:accent1>
-        <a:srgbClr val="058DC7"/>
-      </a:accent1>
-      <a:accent2>
-        <a:srgbClr val="50B432"/>
-      </a:accent2>
-      <a:accent3>
-        <a:srgbClr val="ED561B"/>
-      </a:accent3>
-      <a:accent4>
-        <a:srgbClr val="EDEF00"/>
-      </a:accent4>
-      <a:accent5>
-        <a:srgbClr val="24CBE5"/>
-      </a:accent5>
-      <a:accent6>
-        <a:srgbClr val="64E572"/>
-      </a:accent6>
-      <a:hlink>
-        <a:srgbClr val="2200CC"/>
-      </a:hlink>
-      <a:folHlink>
-        <a:srgbClr val="551A8B"/>
-      </a:folHlink>
-    </a:clrScheme>
-    <a:fontScheme name="Office">
-      <a:majorFont>
-        <a:latin typeface="Arial"/>
-        <a:ea typeface=""/>
-        <a:cs typeface=""/>
-        <a:font script="Jpan" typeface="ＭＳ Ｐゴシック"/>
-        <a:font script="Hang" typeface="맑은 고딕"/>
-        <a:font script="Hans" typeface="宋体"/>
-        <a:font script="Hant" typeface="新細明體"/>
-        <a:font script="Arab" typeface="Times New Roman"/>
-        <a:font script="Hebr" typeface="Times New Roman"/>
-        <a:font script="Thai" typeface="Angsana New"/>
-        <a:font script="Ethi" typeface="Nyala"/>
-        <a:font script="Beng" typeface="Vrinda"/>
-        <a:font script="Gujr" typeface="Shruti"/>
-        <a:font script="Khmr" typeface="MoolBoran"/>
-        <a:font script="Knda" typeface="Tunga"/>
-        <a:font script="Guru" typeface="Raavi"/>
-        <a:font script="Cans" typeface="Euphemia"/>
-        <a:font script="Cher" typeface="Plantagenet Cherokee"/>
-        <a:font script="Yiii" typeface="Microsoft Yi Baiti"/>
-        <a:font script="Tibt" typeface="Microsoft Himalaya"/>
-        <a:font script="Thaa" typeface="MV Boli"/>
-        <a:font script="Deva" typeface="Mangal"/>
-        <a:font script="Telu" typeface="Gautami"/>
-        <a:font script="Taml" typeface="Latha"/>
-        <a:font script="Syrc" typeface="Estrangelo Edessa"/>
-        <a:font script="Orya" typeface="Kalinga"/>
-        <a:font script="Mlym" typeface="Kartika"/>
-        <a:font script="Laoo" typeface="DokChampa"/>
-        <a:font script="Sinh" typeface="Iskoola Pota"/>
-        <a:font script="Mong" typeface="Mongolian Baiti"/>
-        <a:font script="Viet" typeface="Times New Roman"/>
-        <a:font script="Uigh" typeface="Microsoft Uighur"/>
-        <a:font script="Geor" typeface="Sylfaen"/>
-      </a:majorFont>
-      <a:minorFont>
-        <a:latin typeface="Arial"/>
-        <a:ea typeface=""/>
-        <a:cs typeface=""/>
-        <a:font script="Jpan" typeface="ＭＳ Ｐゴシック"/>
-        <a:font script="Hang" typeface="맑은 고딕"/>
-        <a:font script="Hans" typeface="宋体"/>
-        <a:font script="Hant" typeface="新細明體"/>
-        <a:font script="Arab" typeface="Arial"/>
-        <a:font script="Hebr" typeface="Arial"/>
-        <a:font script="Thai" typeface="Cordia New"/>
-        <a:font script="Ethi" typeface="Nyala"/>
-        <a:font script="Beng" typeface="Vrinda"/>
-        <a:font script="Gujr" typeface="Shruti"/>
-        <a:font script="Khmr" typeface="DaunPenh"/>
-        <a:font script="Knda" typeface="Tunga"/>
-        <a:font script="Guru" typeface="Raavi"/>
-        <a:font script="Cans" typeface="Euphemia"/>
-        <a:font script="Cher" typeface="Plantagenet Cherokee"/>
-        <a:font script="Yiii" typeface="Microsoft Yi Baiti"/>
-        <a:font script="Tibt" typeface="Microsoft Himalaya"/>
-        <a:font script="Thaa" typeface="MV Boli"/>
-        <a:font script="Deva" typeface="Mangal"/>
-        <a:font script="Telu" typeface="Gautami"/>
-        <a:font script="Taml" typeface="Latha"/>
-        <a:font script="Syrc" typeface="Estrangelo Edessa"/>
-        <a:font script="Orya" typeface="Kalinga"/>
-        <a:font script="Mlym" typeface="Kartika"/>
-        <a:font script="Laoo" typeface="DokChampa"/>
-        <a:font script="Sinh" typeface="Iskoola Pota"/>
-        <a:font script="Mong" typeface="Mongolian Baiti"/>
-        <a:font script="Viet" typeface="Arial"/>
-        <a:font script="Uigh" typeface="Microsoft Uighur"/>
-        <a:font script="Geor" typeface="Sylfaen"/>
-      </a:minorFont>
-    </a:fontScheme>
-    <a:fmtScheme name="Office">
-      <a:fillStyleLst>
-        <a:solidFill>
-          <a:schemeClr val="phClr"/>
-        </a:solidFill>
-        <a:gradFill rotWithShape="1">
-          <a:gsLst>
-            <a:gs pos="0">
-              <a:schemeClr val="phClr">
-                <a:tint val="50000"/>
-                <a:satMod val="300000"/>
-              </a:schemeClr>
-            </a:gs>
-            <a:gs pos="35000">
-              <a:schemeClr val="phClr">
-                <a:tint val="37000"/>
-                <a:satMod val="300000"/>
-              </a:schemeClr>
-            </a:gs>
-            <a:gs pos="100000">
-              <a:schemeClr val="phClr">
-                <a:tint val="15000"/>
-                <a:satMod val="350000"/>
-              </a:schemeClr>
-            </a:gs>
-          </a:gsLst>
-          <a:lin ang="16200000" scaled="1"/>
-        </a:gradFill>
-        <a:gradFill rotWithShape="1">
-          <a:gsLst>
-            <a:gs pos="0">
-              <a:schemeClr val="phClr">
-                <a:tint val="100000"/>
-                <a:shade val="100000"/>
-                <a:satMod val="130000"/>
-              </a:schemeClr>
-            </a:gs>
-            <a:gs pos="100000">
-              <a:schemeClr val="phClr">
-                <a:tint val="50000"/>
-                <a:shade val="100000"/>
-                <a:satMod val="350000"/>
-              </a:schemeClr>
-            </a:gs>
-          </a:gsLst>
-          <a:lin ang="16200000" scaled="0"/>
-        </a:gradFill>
-      </a:fillStyleLst>
-      <a:lnStyleLst>
-        <a:ln w="9525" cap="flat" cmpd="sng" algn="ctr">
-          <a:solidFill>
-            <a:schemeClr val="phClr">
-              <a:shade val="95000"/>
-              <a:satMod val="105000"/>
-            </a:schemeClr>
-          </a:solidFill>
-          <a:prstDash val="solid"/>
-        </a:ln>
-        <a:ln w="25400" cap="flat" cmpd="sng" algn="ctr">
-          <a:solidFill>
-            <a:schemeClr val="phClr"/>
-          </a:solidFill>
-          <a:prstDash val="solid"/>
-        </a:ln>
-        <a:ln w="38100" cap="flat" cmpd="sng" algn="ctr">
-          <a:solidFill>
-            <a:schemeClr val="phClr"/>
-          </a:solidFill>
-          <a:prstDash val="solid"/>
-        </a:ln>
-      </a:lnStyleLst>
-      <a:effectStyleLst>
-        <a:effectStyle>
-          <a:effectLst>
-            <a:outerShdw blurRad="40000" dist="20000" dir="5400000" rotWithShape="0">
-              <a:srgbClr val="000000">
-                <a:alpha val="38000"/>
-              </a:srgbClr>
-            </a:outerShdw>
-          </a:effectLst>
-        </a:effectStyle>
-        <a:effectStyle>
-          <a:effectLst>
-            <a:outerShdw blurRad="40000" dist="23000" dir="5400000" rotWithShape="0">
-              <a:srgbClr val="000000">
-                <a:alpha val="35000"/>
-              </a:srgbClr>
-            </a:outerShdw>
-          </a:effectLst>
-        </a:effectStyle>
-        <a:effectStyle>
-          <a:effectLst>
-            <a:outerShdw blurRad="40000" dist="23000" dir="5400000" rotWithShape="0">
-              <a:srgbClr val="000000">
-                <a:alpha val="35000"/>
-              </a:srgbClr>
-            </a:outerShdw>
-          </a:effectLst>
-          <a:scene3d>
-            <a:camera prst="orthographicFront">
-              <a:rot lat="0" lon="0" rev="0"/>
-            </a:camera>
-            <a:lightRig rig="threePt" dir="t">
-              <a:rot lat="0" lon="0" rev="1200000"/>
-            </a:lightRig>
-          </a:scene3d>
-          <a:sp3d>
-            <a:bevelT w="63500" h="25400"/>
-          </a:sp3d>
-        </a:effectStyle>
-      </a:effectStyleLst>
-      <a:bgFillStyleLst>
-        <a:solidFill>
-          <a:schemeClr val="phClr"/>
-        </a:solidFill>
-        <a:gradFill rotWithShape="1">
-          <a:gsLst>
-            <a:gs pos="0">
-              <a:schemeClr val="phClr">
-                <a:tint val="40000"/>
-                <a:satMod val="350000"/>
-              </a:schemeClr>
-            </a:gs>
-            <a:gs pos="40000">
-              <a:schemeClr val="phClr">
-                <a:tint val="45000"/>
-                <a:shade val="99000"/>
-                <a:satMod val="350000"/>
-              </a:schemeClr>
-            </a:gs>
-            <a:gs pos="100000">
-              <a:schemeClr val="phClr">
-                <a:shade val="20000"/>
-                <a:satMod val="255000"/>
-              </a:schemeClr>
-            </a:gs>
-          </a:gsLst>
-          <a:path path="circle">
-            <a:fillToRect l="50000" t="-80000" r="50000" b="180000"/>
-          </a:path>
-        </a:gradFill>
-        <a:gradFill rotWithShape="1">
-          <a:gsLst>
-            <a:gs pos="0">
-              <a:schemeClr val="phClr">
-                <a:tint val="80000"/>
-                <a:satMod val="300000"/>
-              </a:schemeClr>
-            </a:gs>
-            <a:gs pos="100000">
-              <a:schemeClr val="phClr">
-                <a:shade val="30000"/>
-                <a:satMod val="200000"/>
-              </a:schemeClr>
-            </a:gs>
-          </a:gsLst>
-          <a:path path="circle">
-            <a:fillToRect l="50000" t="50000" r="50000" b="50000"/>
-          </a:path>
-        </a:gradFill>
-      </a:bgFillStyleLst>
-    </a:fmtScheme>
-  </a:themeElements>
-</a:theme>
 </file>
--- a/Présentation/Projet_5.pptx
+++ b/Présentation/Projet_5.pptx
@@ -33341,7 +33341,7 @@
         <p:spPr>
           <a:xfrm>
             <a:off x="643300" y="1053850"/>
-            <a:ext cx="5427600" cy="2801400"/>
+            <a:ext cx="5427600" cy="3978900"/>
           </a:xfrm>
           <a:prstGeom prst="rect">
             <a:avLst/>
@@ -33557,6 +33557,77 @@
                 <a:sym typeface="Montserrat Light"/>
               </a:rPr>
               <a:t>d'activité</a:t>
+            </a:r>
+            <a:endParaRPr sz="1700">
+              <a:solidFill>
+                <a:srgbClr val="3C78D8"/>
+              </a:solidFill>
+              <a:latin typeface="Montserrat Light"/>
+              <a:ea typeface="Montserrat Light"/>
+              <a:cs typeface="Montserrat Light"/>
+              <a:sym typeface="Montserrat Light"/>
+            </a:endParaRPr>
+          </a:p>
+          <a:p>
+            <a:pPr indent="-336550" lvl="0" marL="457200" marR="0" rtl="0" algn="l">
+              <a:lnSpc>
+                <a:spcPct val="150000"/>
+              </a:lnSpc>
+              <a:spcBef>
+                <a:spcPts val="0"/>
+              </a:spcBef>
+              <a:spcAft>
+                <a:spcPts val="0"/>
+              </a:spcAft>
+              <a:buClr>
+                <a:srgbClr val="3C78D8"/>
+              </a:buClr>
+              <a:buSzPts val="1700"/>
+              <a:buFont typeface="Montserrat Light"/>
+              <a:buChar char="➔"/>
+            </a:pPr>
+            <a:r>
+              <a:rPr lang="fr" sz="1700">
+                <a:solidFill>
+                  <a:srgbClr val="3C78D8"/>
+                </a:solidFill>
+                <a:latin typeface="Montserrat Light"/>
+                <a:ea typeface="Montserrat Light"/>
+                <a:cs typeface="Montserrat Light"/>
+                <a:sym typeface="Montserrat Light"/>
+              </a:rPr>
+              <a:t>Ajouter un section qui présente les partenaires</a:t>
+            </a:r>
+            <a:endParaRPr sz="1700">
+              <a:solidFill>
+                <a:srgbClr val="3C78D8"/>
+              </a:solidFill>
+              <a:latin typeface="Montserrat Light"/>
+              <a:ea typeface="Montserrat Light"/>
+              <a:cs typeface="Montserrat Light"/>
+              <a:sym typeface="Montserrat Light"/>
+            </a:endParaRPr>
+          </a:p>
+          <a:p>
+            <a:pPr indent="-336550" lvl="0" marL="457200" marR="0" rtl="0" algn="l">
+              <a:lnSpc>
+                <a:spcPct val="150000"/>
+              </a:lnSpc>
+              <a:spcBef>
+                <a:spcPts val="0"/>
+              </a:spcBef>
+              <a:spcAft>
+                <a:spcPts val="0"/>
+              </a:spcAft>
+              <a:buClr>
+                <a:srgbClr val="3C78D8"/>
+              </a:buClr>
+              <a:buSzPts val="1700"/>
+              <a:buFont typeface="Montserrat Light"/>
+              <a:buChar char="➔"/>
+            </a:pPr>
+            <a:r>
+              <a:t/>
             </a:r>
             <a:endParaRPr sz="1700">
               <a:solidFill>
@@ -33678,6 +33749,285 @@
 </file>
 
 <file path=ppt/theme/theme1.xml><?xml version="1.0" encoding="utf-8"?>
+<a:theme xmlns:a="http://schemas.openxmlformats.org/drawingml/2006/main" xmlns:r="http://schemas.openxmlformats.org/officeDocument/2006/relationships" name="Nicholas template">
+  <a:themeElements>
+    <a:clrScheme name="Custom 347">
+      <a:dk1>
+        <a:srgbClr val="1E2124"/>
+      </a:dk1>
+      <a:lt1>
+        <a:srgbClr val="FFFFFF"/>
+      </a:lt1>
+      <a:dk2>
+        <a:srgbClr val="7C8894"/>
+      </a:dk2>
+      <a:lt2>
+        <a:srgbClr val="E6ECEE"/>
+      </a:lt2>
+      <a:accent1>
+        <a:srgbClr val="2AC3F3"/>
+      </a:accent1>
+      <a:accent2>
+        <a:srgbClr val="004591"/>
+      </a:accent2>
+      <a:accent3>
+        <a:srgbClr val="6BD8B6"/>
+      </a:accent3>
+      <a:accent4>
+        <a:srgbClr val="A9E04B"/>
+      </a:accent4>
+      <a:accent5>
+        <a:srgbClr val="F3C744"/>
+      </a:accent5>
+      <a:accent6>
+        <a:srgbClr val="F37768"/>
+      </a:accent6>
+      <a:hlink>
+        <a:srgbClr val="003C7E"/>
+      </a:hlink>
+      <a:folHlink>
+        <a:srgbClr val="6611CC"/>
+      </a:folHlink>
+    </a:clrScheme>
+    <a:fontScheme name="Office">
+      <a:majorFont>
+        <a:latin typeface="Arial"/>
+        <a:ea typeface=""/>
+        <a:cs typeface=""/>
+        <a:font script="Jpan" typeface="ＭＳ Ｐゴシック"/>
+        <a:font script="Hang" typeface="맑은 고딕"/>
+        <a:font script="Hans" typeface="宋体"/>
+        <a:font script="Hant" typeface="新細明體"/>
+        <a:font script="Arab" typeface="Times New Roman"/>
+        <a:font script="Hebr" typeface="Times New Roman"/>
+        <a:font script="Thai" typeface="Angsana New"/>
+        <a:font script="Ethi" typeface="Nyala"/>
+        <a:font script="Beng" typeface="Vrinda"/>
+        <a:font script="Gujr" typeface="Shruti"/>
+        <a:font script="Khmr" typeface="MoolBoran"/>
+        <a:font script="Knda" typeface="Tunga"/>
+        <a:font script="Guru" typeface="Raavi"/>
+        <a:font script="Cans" typeface="Euphemia"/>
+        <a:font script="Cher" typeface="Plantagenet Cherokee"/>
+        <a:font script="Yiii" typeface="Microsoft Yi Baiti"/>
+        <a:font script="Tibt" typeface="Microsoft Himalaya"/>
+        <a:font script="Thaa" typeface="MV Boli"/>
+        <a:font script="Deva" typeface="Mangal"/>
+        <a:font script="Telu" typeface="Gautami"/>
+        <a:font script="Taml" typeface="Latha"/>
+        <a:font script="Syrc" typeface="Estrangelo Edessa"/>
+        <a:font script="Orya" typeface="Kalinga"/>
+        <a:font script="Mlym" typeface="Kartika"/>
+        <a:font script="Laoo" typeface="DokChampa"/>
+        <a:font script="Sinh" typeface="Iskoola Pota"/>
+        <a:font script="Mong" typeface="Mongolian Baiti"/>
+        <a:font script="Viet" typeface="Times New Roman"/>
+        <a:font script="Uigh" typeface="Microsoft Uighur"/>
+        <a:font script="Geor" typeface="Sylfaen"/>
+      </a:majorFont>
+      <a:minorFont>
+        <a:latin typeface="Arial"/>
+        <a:ea typeface=""/>
+        <a:cs typeface=""/>
+        <a:font script="Jpan" typeface="ＭＳ Ｐゴシック"/>
+        <a:font script="Hang" typeface="맑은 고딕"/>
+        <a:font script="Hans" typeface="宋体"/>
+        <a:font script="Hant" typeface="新細明體"/>
+        <a:font script="Arab" typeface="Arial"/>
+        <a:font script="Hebr" typeface="Arial"/>
+        <a:font script="Thai" typeface="Cordia New"/>
+        <a:font script="Ethi" typeface="Nyala"/>
+        <a:font script="Beng" typeface="Vrinda"/>
+        <a:font script="Gujr" typeface="Shruti"/>
+        <a:font script="Khmr" typeface="DaunPenh"/>
+        <a:font script="Knda" typeface="Tunga"/>
+        <a:font script="Guru" typeface="Raavi"/>
+        <a:font script="Cans" typeface="Euphemia"/>
+        <a:font script="Cher" typeface="Plantagenet Cherokee"/>
+        <a:font script="Yiii" typeface="Microsoft Yi Baiti"/>
+        <a:font script="Tibt" typeface="Microsoft Himalaya"/>
+        <a:font script="Thaa" typeface="MV Boli"/>
+        <a:font script="Deva" typeface="Mangal"/>
+        <a:font script="Telu" typeface="Gautami"/>
+        <a:font script="Taml" typeface="Latha"/>
+        <a:font script="Syrc" typeface="Estrangelo Edessa"/>
+        <a:font script="Orya" typeface="Kalinga"/>
+        <a:font script="Mlym" typeface="Kartika"/>
+        <a:font script="Laoo" typeface="DokChampa"/>
+        <a:font script="Sinh" typeface="Iskoola Pota"/>
+        <a:font script="Mong" typeface="Mongolian Baiti"/>
+        <a:font script="Viet" typeface="Arial"/>
+        <a:font script="Uigh" typeface="Microsoft Uighur"/>
+        <a:font script="Geor" typeface="Sylfaen"/>
+      </a:minorFont>
+    </a:fontScheme>
+    <a:fmtScheme name="Office">
+      <a:fillStyleLst>
+        <a:solidFill>
+          <a:schemeClr val="phClr"/>
+        </a:solidFill>
+        <a:gradFill rotWithShape="1">
+          <a:gsLst>
+            <a:gs pos="0">
+              <a:schemeClr val="phClr">
+                <a:tint val="50000"/>
+                <a:satMod val="300000"/>
+              </a:schemeClr>
+            </a:gs>
+            <a:gs pos="35000">
+              <a:schemeClr val="phClr">
+                <a:tint val="37000"/>
+                <a:satMod val="300000"/>
+              </a:schemeClr>
+            </a:gs>
+            <a:gs pos="100000">
+              <a:schemeClr val="phClr">
+                <a:tint val="15000"/>
+                <a:satMod val="350000"/>
+              </a:schemeClr>
+            </a:gs>
+          </a:gsLst>
+          <a:lin ang="16200000" scaled="1"/>
+        </a:gradFill>
+        <a:gradFill rotWithShape="1">
+          <a:gsLst>
+            <a:gs pos="0">
+              <a:schemeClr val="phClr">
+                <a:tint val="100000"/>
+                <a:shade val="100000"/>
+                <a:satMod val="130000"/>
+              </a:schemeClr>
+            </a:gs>
+            <a:gs pos="100000">
+              <a:schemeClr val="phClr">
+                <a:tint val="50000"/>
+                <a:shade val="100000"/>
+                <a:satMod val="350000"/>
+              </a:schemeClr>
+            </a:gs>
+          </a:gsLst>
+          <a:lin ang="16200000" scaled="0"/>
+        </a:gradFill>
+      </a:fillStyleLst>
+      <a:lnStyleLst>
+        <a:ln w="9525" cap="flat" cmpd="sng" algn="ctr">
+          <a:solidFill>
+            <a:schemeClr val="phClr">
+              <a:shade val="95000"/>
+              <a:satMod val="105000"/>
+            </a:schemeClr>
+          </a:solidFill>
+          <a:prstDash val="solid"/>
+        </a:ln>
+        <a:ln w="25400" cap="flat" cmpd="sng" algn="ctr">
+          <a:solidFill>
+            <a:schemeClr val="phClr"/>
+          </a:solidFill>
+          <a:prstDash val="solid"/>
+        </a:ln>
+        <a:ln w="38100" cap="flat" cmpd="sng" algn="ctr">
+          <a:solidFill>
+            <a:schemeClr val="phClr"/>
+          </a:solidFill>
+          <a:prstDash val="solid"/>
+        </a:ln>
+      </a:lnStyleLst>
+      <a:effectStyleLst>
+        <a:effectStyle>
+          <a:effectLst>
+            <a:outerShdw blurRad="40000" dist="20000" dir="5400000" rotWithShape="0">
+              <a:srgbClr val="000000">
+                <a:alpha val="38000"/>
+              </a:srgbClr>
+            </a:outerShdw>
+          </a:effectLst>
+        </a:effectStyle>
+        <a:effectStyle>
+          <a:effectLst>
+            <a:outerShdw blurRad="40000" dist="23000" dir="5400000" rotWithShape="0">
+              <a:srgbClr val="000000">
+                <a:alpha val="35000"/>
+              </a:srgbClr>
+            </a:outerShdw>
+          </a:effectLst>
+        </a:effectStyle>
+        <a:effectStyle>
+          <a:effectLst>
+            <a:outerShdw blurRad="40000" dist="23000" dir="5400000" rotWithShape="0">
+              <a:srgbClr val="000000">
+                <a:alpha val="35000"/>
+              </a:srgbClr>
+            </a:outerShdw>
+          </a:effectLst>
+          <a:scene3d>
+            <a:camera prst="orthographicFront">
+              <a:rot lat="0" lon="0" rev="0"/>
+            </a:camera>
+            <a:lightRig rig="threePt" dir="t">
+              <a:rot lat="0" lon="0" rev="1200000"/>
+            </a:lightRig>
+          </a:scene3d>
+          <a:sp3d>
+            <a:bevelT w="63500" h="25400"/>
+          </a:sp3d>
+        </a:effectStyle>
+      </a:effectStyleLst>
+      <a:bgFillStyleLst>
+        <a:solidFill>
+          <a:schemeClr val="phClr"/>
+        </a:solidFill>
+        <a:gradFill rotWithShape="1">
+          <a:gsLst>
+            <a:gs pos="0">
+              <a:schemeClr val="phClr">
+                <a:tint val="40000"/>
+                <a:satMod val="350000"/>
+              </a:schemeClr>
+            </a:gs>
+            <a:gs pos="40000">
+              <a:schemeClr val="phClr">
+                <a:tint val="45000"/>
+                <a:shade val="99000"/>
+                <a:satMod val="350000"/>
+              </a:schemeClr>
+            </a:gs>
+            <a:gs pos="100000">
+              <a:schemeClr val="phClr">
+                <a:shade val="20000"/>
+                <a:satMod val="255000"/>
+              </a:schemeClr>
+            </a:gs>
+          </a:gsLst>
+          <a:path path="circle">
+            <a:fillToRect l="50000" t="-80000" r="50000" b="180000"/>
+          </a:path>
+        </a:gradFill>
+        <a:gradFill rotWithShape="1">
+          <a:gsLst>
+            <a:gs pos="0">
+              <a:schemeClr val="phClr">
+                <a:tint val="80000"/>
+                <a:satMod val="300000"/>
+              </a:schemeClr>
+            </a:gs>
+            <a:gs pos="100000">
+              <a:schemeClr val="phClr">
+                <a:shade val="30000"/>
+                <a:satMod val="200000"/>
+              </a:schemeClr>
+            </a:gs>
+          </a:gsLst>
+          <a:path path="circle">
+            <a:fillToRect l="50000" t="50000" r="50000" b="50000"/>
+          </a:path>
+        </a:gradFill>
+      </a:bgFillStyleLst>
+    </a:fmtScheme>
+  </a:themeElements>
+</a:theme>
+</file>
+
+<file path=ppt/theme/theme2.xml><?xml version="1.0" encoding="utf-8"?>
 <a:theme xmlns:a="http://schemas.openxmlformats.org/drawingml/2006/main" xmlns:r="http://schemas.openxmlformats.org/officeDocument/2006/relationships">
   <a:themeElements>
     <a:clrScheme name="Default">
@@ -33954,283 +34304,4 @@
     </a:fmtScheme>
   </a:themeElements>
 </a:theme>
-</file>
-
-<file path=ppt/theme/theme2.xml><?xml version="1.0" encoding="utf-8"?>
-<a:theme xmlns:a="http://schemas.openxmlformats.org/drawingml/2006/main" xmlns:r="http://schemas.openxmlformats.org/officeDocument/2006/relationships" name="Nicholas template">
-  <a:themeElements>
-    <a:clrScheme name="Custom 347">
-      <a:dk1>
-        <a:srgbClr val="1E2124"/>
-      </a:dk1>
-      <a:lt1>
-        <a:srgbClr val="FFFFFF"/>
-      </a:lt1>
-      <a:dk2>
-        <a:srgbClr val="7C8894"/>
-      </a:dk2>
-      <a:lt2>
-        <a:srgbClr val="E6ECEE"/>
-      </a:lt2>
-      <a:accent1>
-        <a:srgbClr val="2AC3F3"/>
-      </a:accent1>
-      <a:accent2>
-        <a:srgbClr val="004591"/>
-      </a:accent2>
-      <a:accent3>
-        <a:srgbClr val="6BD8B6"/>
-      </a:accent3>
-      <a:accent4>
-        <a:srgbClr val="A9E04B"/>
-      </a:accent4>
-      <a:accent5>
-        <a:srgbClr val="F3C744"/>
-      </a:accent5>
-      <a:accent6>
-        <a:srgbClr val="F37768"/>
-      </a:accent6>
-      <a:hlink>
-        <a:srgbClr val="003C7E"/>
-      </a:hlink>
-      <a:folHlink>
-        <a:srgbClr val="6611CC"/>
-      </a:folHlink>
-    </a:clrScheme>
-    <a:fontScheme name="Office">
-      <a:majorFont>
-        <a:latin typeface="Arial"/>
-        <a:ea typeface=""/>
-        <a:cs typeface=""/>
-        <a:font script="Jpan" typeface="ＭＳ Ｐゴシック"/>
-        <a:font script="Hang" typeface="맑은 고딕"/>
-        <a:font script="Hans" typeface="宋体"/>
-        <a:font script="Hant" typeface="新細明體"/>
-        <a:font script="Arab" typeface="Times New Roman"/>
-        <a:font script="Hebr" typeface="Times New Roman"/>
-        <a:font script="Thai" typeface="Angsana New"/>
-        <a:font script="Ethi" typeface="Nyala"/>
-        <a:font script="Beng" typeface="Vrinda"/>
-        <a:font script="Gujr" typeface="Shruti"/>
-        <a:font script="Khmr" typeface="MoolBoran"/>
-        <a:font script="Knda" typeface="Tunga"/>
-        <a:font script="Guru" typeface="Raavi"/>
-        <a:font script="Cans" typeface="Euphemia"/>
-        <a:font script="Cher" typeface="Plantagenet Cherokee"/>
-        <a:font script="Yiii" typeface="Microsoft Yi Baiti"/>
-        <a:font script="Tibt" typeface="Microsoft Himalaya"/>
-        <a:font script="Thaa" typeface="MV Boli"/>
-        <a:font script="Deva" typeface="Mangal"/>
-        <a:font script="Telu" typeface="Gautami"/>
-        <a:font script="Taml" typeface="Latha"/>
-        <a:font script="Syrc" typeface="Estrangelo Edessa"/>
-        <a:font script="Orya" typeface="Kalinga"/>
-        <a:font script="Mlym" typeface="Kartika"/>
-        <a:font script="Laoo" typeface="DokChampa"/>
-        <a:font script="Sinh" typeface="Iskoola Pota"/>
-        <a:font script="Mong" typeface="Mongolian Baiti"/>
-        <a:font script="Viet" typeface="Times New Roman"/>
-        <a:font script="Uigh" typeface="Microsoft Uighur"/>
-        <a:font script="Geor" typeface="Sylfaen"/>
-      </a:majorFont>
-      <a:minorFont>
-        <a:latin typeface="Arial"/>
-        <a:ea typeface=""/>
-        <a:cs typeface=""/>
-        <a:font script="Jpan" typeface="ＭＳ Ｐゴシック"/>
-        <a:font script="Hang" typeface="맑은 고딕"/>
-        <a:font script="Hans" typeface="宋体"/>
-        <a:font script="Hant" typeface="新細明體"/>
-        <a:font script="Arab" typeface="Arial"/>
-        <a:font script="Hebr" typeface="Arial"/>
-        <a:font script="Thai" typeface="Cordia New"/>
-        <a:font script="Ethi" typeface="Nyala"/>
-        <a:font script="Beng" typeface="Vrinda"/>
-        <a:font script="Gujr" typeface="Shruti"/>
-        <a:font script="Khmr" typeface="DaunPenh"/>
-        <a:font script="Knda" typeface="Tunga"/>
-        <a:font script="Guru" typeface="Raavi"/>
-        <a:font script="Cans" typeface="Euphemia"/>
-        <a:font script="Cher" typeface="Plantagenet Cherokee"/>
-        <a:font script="Yiii" typeface="Microsoft Yi Baiti"/>
-        <a:font script="Tibt" typeface="Microsoft Himalaya"/>
-        <a:font script="Thaa" typeface="MV Boli"/>
-        <a:font script="Deva" typeface="Mangal"/>
-        <a:font script="Telu" typeface="Gautami"/>
-        <a:font script="Taml" typeface="Latha"/>
-        <a:font script="Syrc" typeface="Estrangelo Edessa"/>
-        <a:font script="Orya" typeface="Kalinga"/>
-        <a:font script="Mlym" typeface="Kartika"/>
-        <a:font script="Laoo" typeface="DokChampa"/>
-        <a:font script="Sinh" typeface="Iskoola Pota"/>
-        <a:font script="Mong" typeface="Mongolian Baiti"/>
-        <a:font script="Viet" typeface="Arial"/>
-        <a:font script="Uigh" typeface="Microsoft Uighur"/>
-        <a:font script="Geor" typeface="Sylfaen"/>
-      </a:minorFont>
-    </a:fontScheme>
-    <a:fmtScheme name="Office">
-      <a:fillStyleLst>
-        <a:solidFill>
-          <a:schemeClr val="phClr"/>
-        </a:solidFill>
-        <a:gradFill rotWithShape="1">
-          <a:gsLst>
-            <a:gs pos="0">
-              <a:schemeClr val="phClr">
-                <a:tint val="50000"/>
-                <a:satMod val="300000"/>
-              </a:schemeClr>
-            </a:gs>
-            <a:gs pos="35000">
-              <a:schemeClr val="phClr">
-                <a:tint val="37000"/>
-                <a:satMod val="300000"/>
-              </a:schemeClr>
-            </a:gs>
-            <a:gs pos="100000">
-              <a:schemeClr val="phClr">
-                <a:tint val="15000"/>
-                <a:satMod val="350000"/>
-              </a:schemeClr>
-            </a:gs>
-          </a:gsLst>
-          <a:lin ang="16200000" scaled="1"/>
-        </a:gradFill>
-        <a:gradFill rotWithShape="1">
-          <a:gsLst>
-            <a:gs pos="0">
-              <a:schemeClr val="phClr">
-                <a:tint val="100000"/>
-                <a:shade val="100000"/>
-                <a:satMod val="130000"/>
-              </a:schemeClr>
-            </a:gs>
-            <a:gs pos="100000">
-              <a:schemeClr val="phClr">
-                <a:tint val="50000"/>
-                <a:shade val="100000"/>
-                <a:satMod val="350000"/>
-              </a:schemeClr>
-            </a:gs>
-          </a:gsLst>
-          <a:lin ang="16200000" scaled="0"/>
-        </a:gradFill>
-      </a:fillStyleLst>
-      <a:lnStyleLst>
-        <a:ln w="9525" cap="flat" cmpd="sng" algn="ctr">
-          <a:solidFill>
-            <a:schemeClr val="phClr">
-              <a:shade val="95000"/>
-              <a:satMod val="105000"/>
-            </a:schemeClr>
-          </a:solidFill>
-          <a:prstDash val="solid"/>
-        </a:ln>
-        <a:ln w="25400" cap="flat" cmpd="sng" algn="ctr">
-          <a:solidFill>
-            <a:schemeClr val="phClr"/>
-          </a:solidFill>
-          <a:prstDash val="solid"/>
-        </a:ln>
-        <a:ln w="38100" cap="flat" cmpd="sng" algn="ctr">
-          <a:solidFill>
-            <a:schemeClr val="phClr"/>
-          </a:solidFill>
-          <a:prstDash val="solid"/>
-        </a:ln>
-      </a:lnStyleLst>
-      <a:effectStyleLst>
-        <a:effectStyle>
-          <a:effectLst>
-            <a:outerShdw blurRad="40000" dist="20000" dir="5400000" rotWithShape="0">
-              <a:srgbClr val="000000">
-                <a:alpha val="38000"/>
-              </a:srgbClr>
-            </a:outerShdw>
-          </a:effectLst>
-        </a:effectStyle>
-        <a:effectStyle>
-          <a:effectLst>
-            <a:outerShdw blurRad="40000" dist="23000" dir="5400000" rotWithShape="0">
-              <a:srgbClr val="000000">
-                <a:alpha val="35000"/>
-              </a:srgbClr>
-            </a:outerShdw>
-          </a:effectLst>
-        </a:effectStyle>
-        <a:effectStyle>
-          <a:effectLst>
-            <a:outerShdw blurRad="40000" dist="23000" dir="5400000" rotWithShape="0">
-              <a:srgbClr val="000000">
-                <a:alpha val="35000"/>
-              </a:srgbClr>
-            </a:outerShdw>
-          </a:effectLst>
-          <a:scene3d>
-            <a:camera prst="orthographicFront">
-              <a:rot lat="0" lon="0" rev="0"/>
-            </a:camera>
-            <a:lightRig rig="threePt" dir="t">
-              <a:rot lat="0" lon="0" rev="1200000"/>
-            </a:lightRig>
-          </a:scene3d>
-          <a:sp3d>
-            <a:bevelT w="63500" h="25400"/>
-          </a:sp3d>
-        </a:effectStyle>
-      </a:effectStyleLst>
-      <a:bgFillStyleLst>
-        <a:solidFill>
-          <a:schemeClr val="phClr"/>
-        </a:solidFill>
-        <a:gradFill rotWithShape="1">
-          <a:gsLst>
-            <a:gs pos="0">
-              <a:schemeClr val="phClr">
-                <a:tint val="40000"/>
-                <a:satMod val="350000"/>
-              </a:schemeClr>
-            </a:gs>
-            <a:gs pos="40000">
-              <a:schemeClr val="phClr">
-                <a:tint val="45000"/>
-                <a:shade val="99000"/>
-                <a:satMod val="350000"/>
-              </a:schemeClr>
-            </a:gs>
-            <a:gs pos="100000">
-              <a:schemeClr val="phClr">
-                <a:shade val="20000"/>
-                <a:satMod val="255000"/>
-              </a:schemeClr>
-            </a:gs>
-          </a:gsLst>
-          <a:path path="circle">
-            <a:fillToRect l="50000" t="-80000" r="50000" b="180000"/>
-          </a:path>
-        </a:gradFill>
-        <a:gradFill rotWithShape="1">
-          <a:gsLst>
-            <a:gs pos="0">
-              <a:schemeClr val="phClr">
-                <a:tint val="80000"/>
-                <a:satMod val="300000"/>
-              </a:schemeClr>
-            </a:gs>
-            <a:gs pos="100000">
-              <a:schemeClr val="phClr">
-                <a:shade val="30000"/>
-                <a:satMod val="200000"/>
-              </a:schemeClr>
-            </a:gs>
-          </a:gsLst>
-          <a:path path="circle">
-            <a:fillToRect l="50000" t="50000" r="50000" b="50000"/>
-          </a:path>
-        </a:gradFill>
-      </a:bgFillStyleLst>
-    </a:fmtScheme>
-  </a:themeElements>
-</a:theme>
 </file>
--- a/Présentation/Projet_5.pptx
+++ b/Présentation/Projet_5.pptx
@@ -32515,7 +32515,7 @@
                 <a:cs typeface="Montserrat Light"/>
                 <a:sym typeface="Montserrat Light"/>
               </a:rPr>
-              <a:t>interface facile pour utiliser</a:t>
+              <a:t>Interface facile pour utiliser</a:t>
             </a:r>
             <a:endParaRPr sz="1700">
               <a:solidFill>
@@ -32555,7 +32555,7 @@
                 <a:cs typeface="Montserrat Light"/>
                 <a:sym typeface="Montserrat Light"/>
               </a:rPr>
-              <a:t>contenue attirant</a:t>
+              <a:t>Contenue attirant</a:t>
             </a:r>
             <a:endParaRPr sz="1700">
               <a:solidFill>
@@ -33340,8 +33340,8 @@
         </p:nvSpPr>
         <p:spPr>
           <a:xfrm>
-            <a:off x="643300" y="1053850"/>
-            <a:ext cx="5427600" cy="3978900"/>
+            <a:off x="595750" y="610575"/>
+            <a:ext cx="5427600" cy="4371300"/>
           </a:xfrm>
           <a:prstGeom prst="rect">
             <a:avLst/>
@@ -33627,7 +33627,16 @@
               <a:buChar char="➔"/>
             </a:pPr>
             <a:r>
-              <a:t/>
+              <a:rPr lang="fr" sz="1700">
+                <a:solidFill>
+                  <a:srgbClr val="3C78D8"/>
+                </a:solidFill>
+                <a:latin typeface="Montserrat Light"/>
+                <a:ea typeface="Montserrat Light"/>
+                <a:cs typeface="Montserrat Light"/>
+                <a:sym typeface="Montserrat Light"/>
+              </a:rPr>
+              <a:t>mise à niveau le Footer(Ajouter les liens de social media, le contact...)</a:t>
             </a:r>
             <a:endParaRPr sz="1700">
               <a:solidFill>
@@ -33749,6 +33758,285 @@
 </file>
 
 <file path=ppt/theme/theme1.xml><?xml version="1.0" encoding="utf-8"?>
+<a:theme xmlns:a="http://schemas.openxmlformats.org/drawingml/2006/main" xmlns:r="http://schemas.openxmlformats.org/officeDocument/2006/relationships">
+  <a:themeElements>
+    <a:clrScheme name="Default">
+      <a:dk1>
+        <a:srgbClr val="000000"/>
+      </a:dk1>
+      <a:lt1>
+        <a:srgbClr val="FFFFFF"/>
+      </a:lt1>
+      <a:dk2>
+        <a:srgbClr val="158158"/>
+      </a:dk2>
+      <a:lt2>
+        <a:srgbClr val="F3F3F3"/>
+      </a:lt2>
+      <a:accent1>
+        <a:srgbClr val="058DC7"/>
+      </a:accent1>
+      <a:accent2>
+        <a:srgbClr val="50B432"/>
+      </a:accent2>
+      <a:accent3>
+        <a:srgbClr val="ED561B"/>
+      </a:accent3>
+      <a:accent4>
+        <a:srgbClr val="EDEF00"/>
+      </a:accent4>
+      <a:accent5>
+        <a:srgbClr val="24CBE5"/>
+      </a:accent5>
+      <a:accent6>
+        <a:srgbClr val="64E572"/>
+      </a:accent6>
+      <a:hlink>
+        <a:srgbClr val="2200CC"/>
+      </a:hlink>
+      <a:folHlink>
+        <a:srgbClr val="551A8B"/>
+      </a:folHlink>
+    </a:clrScheme>
+    <a:fontScheme name="Office">
+      <a:majorFont>
+        <a:latin typeface="Arial"/>
+        <a:ea typeface=""/>
+        <a:cs typeface=""/>
+        <a:font script="Jpan" typeface="ＭＳ Ｐゴシック"/>
+        <a:font script="Hang" typeface="맑은 고딕"/>
+        <a:font script="Hans" typeface="宋体"/>
+        <a:font script="Hant" typeface="新細明體"/>
+        <a:font script="Arab" typeface="Times New Roman"/>
+        <a:font script="Hebr" typeface="Times New Roman"/>
+        <a:font script="Thai" typeface="Angsana New"/>
+        <a:font script="Ethi" typeface="Nyala"/>
+        <a:font script="Beng" typeface="Vrinda"/>
+        <a:font script="Gujr" typeface="Shruti"/>
+        <a:font script="Khmr" typeface="MoolBoran"/>
+        <a:font script="Knda" typeface="Tunga"/>
+        <a:font script="Guru" typeface="Raavi"/>
+        <a:font script="Cans" typeface="Euphemia"/>
+        <a:font script="Cher" typeface="Plantagenet Cherokee"/>
+        <a:font script="Yiii" typeface="Microsoft Yi Baiti"/>
+        <a:font script="Tibt" typeface="Microsoft Himalaya"/>
+        <a:font script="Thaa" typeface="MV Boli"/>
+        <a:font script="Deva" typeface="Mangal"/>
+        <a:font script="Telu" typeface="Gautami"/>
+        <a:font script="Taml" typeface="Latha"/>
+        <a:font script="Syrc" typeface="Estrangelo Edessa"/>
+        <a:font script="Orya" typeface="Kalinga"/>
+        <a:font script="Mlym" typeface="Kartika"/>
+        <a:font script="Laoo" typeface="DokChampa"/>
+        <a:font script="Sinh" typeface="Iskoola Pota"/>
+        <a:font script="Mong" typeface="Mongolian Baiti"/>
+        <a:font script="Viet" typeface="Times New Roman"/>
+        <a:font script="Uigh" typeface="Microsoft Uighur"/>
+        <a:font script="Geor" typeface="Sylfaen"/>
+      </a:majorFont>
+      <a:minorFont>
+        <a:latin typeface="Arial"/>
+        <a:ea typeface=""/>
+        <a:cs typeface=""/>
+        <a:font script="Jpan" typeface="ＭＳ Ｐゴシック"/>
+        <a:font script="Hang" typeface="맑은 고딕"/>
+        <a:font script="Hans" typeface="宋体"/>
+        <a:font script="Hant" typeface="新細明體"/>
+        <a:font script="Arab" typeface="Arial"/>
+        <a:font script="Hebr" typeface="Arial"/>
+        <a:font script="Thai" typeface="Cordia New"/>
+        <a:font script="Ethi" typeface="Nyala"/>
+        <a:font script="Beng" typeface="Vrinda"/>
+        <a:font script="Gujr" typeface="Shruti"/>
+        <a:font script="Khmr" typeface="DaunPenh"/>
+        <a:font script="Knda" typeface="Tunga"/>
+        <a:font script="Guru" typeface="Raavi"/>
+        <a:font script="Cans" typeface="Euphemia"/>
+        <a:font script="Cher" typeface="Plantagenet Cherokee"/>
+        <a:font script="Yiii" typeface="Microsoft Yi Baiti"/>
+        <a:font script="Tibt" typeface="Microsoft Himalaya"/>
+        <a:font script="Thaa" typeface="MV Boli"/>
+        <a:font script="Deva" typeface="Mangal"/>
+        <a:font script="Telu" typeface="Gautami"/>
+        <a:font script="Taml" typeface="Latha"/>
+        <a:font script="Syrc" typeface="Estrangelo Edessa"/>
+        <a:font script="Orya" typeface="Kalinga"/>
+        <a:font script="Mlym" typeface="Kartika"/>
+        <a:font script="Laoo" typeface="DokChampa"/>
+        <a:font script="Sinh" typeface="Iskoola Pota"/>
+        <a:font script="Mong" typeface="Mongolian Baiti"/>
+        <a:font script="Viet" typeface="Arial"/>
+        <a:font script="Uigh" typeface="Microsoft Uighur"/>
+        <a:font script="Geor" typeface="Sylfaen"/>
+      </a:minorFont>
+    </a:fontScheme>
+    <a:fmtScheme name="Office">
+      <a:fillStyleLst>
+        <a:solidFill>
+          <a:schemeClr val="phClr"/>
+        </a:solidFill>
+        <a:gradFill rotWithShape="1">
+          <a:gsLst>
+            <a:gs pos="0">
+              <a:schemeClr val="phClr">
+                <a:tint val="50000"/>
+                <a:satMod val="300000"/>
+              </a:schemeClr>
+            </a:gs>
+            <a:gs pos="35000">
+              <a:schemeClr val="phClr">
+                <a:tint val="37000"/>
+                <a:satMod val="300000"/>
+              </a:schemeClr>
+            </a:gs>
+            <a:gs pos="100000">
+              <a:schemeClr val="phClr">
+                <a:tint val="15000"/>
+                <a:satMod val="350000"/>
+              </a:schemeClr>
+            </a:gs>
+          </a:gsLst>
+          <a:lin ang="16200000" scaled="1"/>
+        </a:gradFill>
+        <a:gradFill rotWithShape="1">
+          <a:gsLst>
+            <a:gs pos="0">
+              <a:schemeClr val="phClr">
+                <a:tint val="100000"/>
+                <a:shade val="100000"/>
+                <a:satMod val="130000"/>
+              </a:schemeClr>
+            </a:gs>
+            <a:gs pos="100000">
+              <a:schemeClr val="phClr">
+                <a:tint val="50000"/>
+                <a:shade val="100000"/>
+                <a:satMod val="350000"/>
+              </a:schemeClr>
+            </a:gs>
+          </a:gsLst>
+          <a:lin ang="16200000" scaled="0"/>
+        </a:gradFill>
+      </a:fillStyleLst>
+      <a:lnStyleLst>
+        <a:ln w="9525" cap="flat" cmpd="sng" algn="ctr">
+          <a:solidFill>
+            <a:schemeClr val="phClr">
+              <a:shade val="95000"/>
+              <a:satMod val="105000"/>
+            </a:schemeClr>
+          </a:solidFill>
+          <a:prstDash val="solid"/>
+        </a:ln>
+        <a:ln w="25400" cap="flat" cmpd="sng" algn="ctr">
+          <a:solidFill>
+            <a:schemeClr val="phClr"/>
+          </a:solidFill>
+          <a:prstDash val="solid"/>
+        </a:ln>
+        <a:ln w="38100" cap="flat" cmpd="sng" algn="ctr">
+          <a:solidFill>
+            <a:schemeClr val="phClr"/>
+          </a:solidFill>
+          <a:prstDash val="solid"/>
+        </a:ln>
+      </a:lnStyleLst>
+      <a:effectStyleLst>
+        <a:effectStyle>
+          <a:effectLst>
+            <a:outerShdw blurRad="40000" dist="20000" dir="5400000" rotWithShape="0">
+              <a:srgbClr val="000000">
+                <a:alpha val="38000"/>
+              </a:srgbClr>
+            </a:outerShdw>
+          </a:effectLst>
+        </a:effectStyle>
+        <a:effectStyle>
+          <a:effectLst>
+            <a:outerShdw blurRad="40000" dist="23000" dir="5400000" rotWithShape="0">
+              <a:srgbClr val="000000">
+                <a:alpha val="35000"/>
+              </a:srgbClr>
+            </a:outerShdw>
+          </a:effectLst>
+        </a:effectStyle>
+        <a:effectStyle>
+          <a:effectLst>
+            <a:outerShdw blurRad="40000" dist="23000" dir="5400000" rotWithShape="0">
+              <a:srgbClr val="000000">
+                <a:alpha val="35000"/>
+              </a:srgbClr>
+            </a:outerShdw>
+          </a:effectLst>
+          <a:scene3d>
+            <a:camera prst="orthographicFront">
+              <a:rot lat="0" lon="0" rev="0"/>
+            </a:camera>
+            <a:lightRig rig="threePt" dir="t">
+              <a:rot lat="0" lon="0" rev="1200000"/>
+            </a:lightRig>
+          </a:scene3d>
+          <a:sp3d>
+            <a:bevelT w="63500" h="25400"/>
+          </a:sp3d>
+        </a:effectStyle>
+      </a:effectStyleLst>
+      <a:bgFillStyleLst>
+        <a:solidFill>
+          <a:schemeClr val="phClr"/>
+        </a:solidFill>
+        <a:gradFill rotWithShape="1">
+          <a:gsLst>
+            <a:gs pos="0">
+              <a:schemeClr val="phClr">
+                <a:tint val="40000"/>
+                <a:satMod val="350000"/>
+              </a:schemeClr>
+            </a:gs>
+            <a:gs pos="40000">
+              <a:schemeClr val="phClr">
+                <a:tint val="45000"/>
+                <a:shade val="99000"/>
+                <a:satMod val="350000"/>
+              </a:schemeClr>
+            </a:gs>
+            <a:gs pos="100000">
+              <a:schemeClr val="phClr">
+                <a:shade val="20000"/>
+                <a:satMod val="255000"/>
+              </a:schemeClr>
+            </a:gs>
+          </a:gsLst>
+          <a:path path="circle">
+            <a:fillToRect l="50000" t="-80000" r="50000" b="180000"/>
+          </a:path>
+        </a:gradFill>
+        <a:gradFill rotWithShape="1">
+          <a:gsLst>
+            <a:gs pos="0">
+              <a:schemeClr val="phClr">
+                <a:tint val="80000"/>
+                <a:satMod val="300000"/>
+              </a:schemeClr>
+            </a:gs>
+            <a:gs pos="100000">
+              <a:schemeClr val="phClr">
+                <a:shade val="30000"/>
+                <a:satMod val="200000"/>
+              </a:schemeClr>
+            </a:gs>
+          </a:gsLst>
+          <a:path path="circle">
+            <a:fillToRect l="50000" t="50000" r="50000" b="50000"/>
+          </a:path>
+        </a:gradFill>
+      </a:bgFillStyleLst>
+    </a:fmtScheme>
+  </a:themeElements>
+</a:theme>
+</file>
+
+<file path=ppt/theme/theme2.xml><?xml version="1.0" encoding="utf-8"?>
 <a:theme xmlns:a="http://schemas.openxmlformats.org/drawingml/2006/main" xmlns:r="http://schemas.openxmlformats.org/officeDocument/2006/relationships" name="Nicholas template">
   <a:themeElements>
     <a:clrScheme name="Custom 347">
@@ -34025,283 +34313,4 @@
     </a:fmtScheme>
   </a:themeElements>
 </a:theme>
-</file>
-
-<file path=ppt/theme/theme2.xml><?xml version="1.0" encoding="utf-8"?>
-<a:theme xmlns:a="http://schemas.openxmlformats.org/drawingml/2006/main" xmlns:r="http://schemas.openxmlformats.org/officeDocument/2006/relationships">
-  <a:themeElements>
-    <a:clrScheme name="Default">
-      <a:dk1>
-        <a:srgbClr val="000000"/>
-      </a:dk1>
-      <a:lt1>
-        <a:srgbClr val="FFFFFF"/>
-      </a:lt1>
-      <a:dk2>
-        <a:srgbClr val="158158"/>
-      </a:dk2>
-      <a:lt2>
-        <a:srgbClr val="F3F3F3"/>
-      </a:lt2>
-      <a:accent1>
-        <a:srgbClr val="058DC7"/>
-      </a:accent1>
-      <a:accent2>
-        <a:srgbClr val="50B432"/>
-      </a:accent2>
-      <a:accent3>
-        <a:srgbClr val="ED561B"/>
-      </a:accent3>
-      <a:accent4>
-        <a:srgbClr val="EDEF00"/>
-      </a:accent4>
-      <a:accent5>
-        <a:srgbClr val="24CBE5"/>
-      </a:accent5>
-      <a:accent6>
-        <a:srgbClr val="64E572"/>
-      </a:accent6>
-      <a:hlink>
-        <a:srgbClr val="2200CC"/>
-      </a:hlink>
-      <a:folHlink>
-        <a:srgbClr val="551A8B"/>
-      </a:folHlink>
-    </a:clrScheme>
-    <a:fontScheme name="Office">
-      <a:majorFont>
-        <a:latin typeface="Arial"/>
-        <a:ea typeface=""/>
-        <a:cs typeface=""/>
-        <a:font script="Jpan" typeface="ＭＳ Ｐゴシック"/>
-        <a:font script="Hang" typeface="맑은 고딕"/>
-        <a:font script="Hans" typeface="宋体"/>
-        <a:font script="Hant" typeface="新細明體"/>
-        <a:font script="Arab" typeface="Times New Roman"/>
-        <a:font script="Hebr" typeface="Times New Roman"/>
-        <a:font script="Thai" typeface="Angsana New"/>
-        <a:font script="Ethi" typeface="Nyala"/>
-        <a:font script="Beng" typeface="Vrinda"/>
-        <a:font script="Gujr" typeface="Shruti"/>
-        <a:font script="Khmr" typeface="MoolBoran"/>
-        <a:font script="Knda" typeface="Tunga"/>
-        <a:font script="Guru" typeface="Raavi"/>
-        <a:font script="Cans" typeface="Euphemia"/>
-        <a:font script="Cher" typeface="Plantagenet Cherokee"/>
-        <a:font script="Yiii" typeface="Microsoft Yi Baiti"/>
-        <a:font script="Tibt" typeface="Microsoft Himalaya"/>
-        <a:font script="Thaa" typeface="MV Boli"/>
-        <a:font script="Deva" typeface="Mangal"/>
-        <a:font script="Telu" typeface="Gautami"/>
-        <a:font script="Taml" typeface="Latha"/>
-        <a:font script="Syrc" typeface="Estrangelo Edessa"/>
-        <a:font script="Orya" typeface="Kalinga"/>
-        <a:font script="Mlym" typeface="Kartika"/>
-        <a:font script="Laoo" typeface="DokChampa"/>
-        <a:font script="Sinh" typeface="Iskoola Pota"/>
-        <a:font script="Mong" typeface="Mongolian Baiti"/>
-        <a:font script="Viet" typeface="Times New Roman"/>
-        <a:font script="Uigh" typeface="Microsoft Uighur"/>
-        <a:font script="Geor" typeface="Sylfaen"/>
-      </a:majorFont>
-      <a:minorFont>
-        <a:latin typeface="Arial"/>
-        <a:ea typeface=""/>
-        <a:cs typeface=""/>
-        <a:font script="Jpan" typeface="ＭＳ Ｐゴシック"/>
-        <a:font script="Hang" typeface="맑은 고딕"/>
-        <a:font script="Hans" typeface="宋体"/>
-        <a:font script="Hant" typeface="新細明體"/>
-        <a:font script="Arab" typeface="Arial"/>
-        <a:font script="Hebr" typeface="Arial"/>
-        <a:font script="Thai" typeface="Cordia New"/>
-        <a:font script="Ethi" typeface="Nyala"/>
-        <a:font script="Beng" typeface="Vrinda"/>
-        <a:font script="Gujr" typeface="Shruti"/>
-        <a:font script="Khmr" typeface="DaunPenh"/>
-        <a:font script="Knda" typeface="Tunga"/>
-        <a:font script="Guru" typeface="Raavi"/>
-        <a:font script="Cans" typeface="Euphemia"/>
-        <a:font script="Cher" typeface="Plantagenet Cherokee"/>
-        <a:font script="Yiii" typeface="Microsoft Yi Baiti"/>
-        <a:font script="Tibt" typeface="Microsoft Himalaya"/>
-        <a:font script="Thaa" typeface="MV Boli"/>
-        <a:font script="Deva" typeface="Mangal"/>
-        <a:font script="Telu" typeface="Gautami"/>
-        <a:font script="Taml" typeface="Latha"/>
-        <a:font script="Syrc" typeface="Estrangelo Edessa"/>
-        <a:font script="Orya" typeface="Kalinga"/>
-        <a:font script="Mlym" typeface="Kartika"/>
-        <a:font script="Laoo" typeface="DokChampa"/>
-        <a:font script="Sinh" typeface="Iskoola Pota"/>
-        <a:font script="Mong" typeface="Mongolian Baiti"/>
-        <a:font script="Viet" typeface="Arial"/>
-        <a:font script="Uigh" typeface="Microsoft Uighur"/>
-        <a:font script="Geor" typeface="Sylfaen"/>
-      </a:minorFont>
-    </a:fontScheme>
-    <a:fmtScheme name="Office">
-      <a:fillStyleLst>
-        <a:solidFill>
-          <a:schemeClr val="phClr"/>
-        </a:solidFill>
-        <a:gradFill rotWithShape="1">
-          <a:gsLst>
-            <a:gs pos="0">
-              <a:schemeClr val="phClr">
-                <a:tint val="50000"/>
-                <a:satMod val="300000"/>
-              </a:schemeClr>
-            </a:gs>
-            <a:gs pos="35000">
-              <a:schemeClr val="phClr">
-                <a:tint val="37000"/>
-                <a:satMod val="300000"/>
-              </a:schemeClr>
-            </a:gs>
-            <a:gs pos="100000">
-              <a:schemeClr val="phClr">
-                <a:tint val="15000"/>
-                <a:satMod val="350000"/>
-              </a:schemeClr>
-            </a:gs>
-          </a:gsLst>
-          <a:lin ang="16200000" scaled="1"/>
-        </a:gradFill>
-        <a:gradFill rotWithShape="1">
-          <a:gsLst>
-            <a:gs pos="0">
-              <a:schemeClr val="phClr">
-                <a:tint val="100000"/>
-                <a:shade val="100000"/>
-                <a:satMod val="130000"/>
-              </a:schemeClr>
-            </a:gs>
-            <a:gs pos="100000">
-              <a:schemeClr val="phClr">
-                <a:tint val="50000"/>
-                <a:shade val="100000"/>
-                <a:satMod val="350000"/>
-              </a:schemeClr>
-            </a:gs>
-          </a:gsLst>
-          <a:lin ang="16200000" scaled="0"/>
-        </a:gradFill>
-      </a:fillStyleLst>
-      <a:lnStyleLst>
-        <a:ln w="9525" cap="flat" cmpd="sng" algn="ctr">
-          <a:solidFill>
-            <a:schemeClr val="phClr">
-              <a:shade val="95000"/>
-              <a:satMod val="105000"/>
-            </a:schemeClr>
-          </a:solidFill>
-          <a:prstDash val="solid"/>
-        </a:ln>
-        <a:ln w="25400" cap="flat" cmpd="sng" algn="ctr">
-          <a:solidFill>
-            <a:schemeClr val="phClr"/>
-          </a:solidFill>
-          <a:prstDash val="solid"/>
-        </a:ln>
-        <a:ln w="38100" cap="flat" cmpd="sng" algn="ctr">
-          <a:solidFill>
-            <a:schemeClr val="phClr"/>
-          </a:solidFill>
-          <a:prstDash val="solid"/>
-        </a:ln>
-      </a:lnStyleLst>
-      <a:effectStyleLst>
-        <a:effectStyle>
-          <a:effectLst>
-            <a:outerShdw blurRad="40000" dist="20000" dir="5400000" rotWithShape="0">
-              <a:srgbClr val="000000">
-                <a:alpha val="38000"/>
-              </a:srgbClr>
-            </a:outerShdw>
-          </a:effectLst>
-        </a:effectStyle>
-        <a:effectStyle>
-          <a:effectLst>
-            <a:outerShdw blurRad="40000" dist="23000" dir="5400000" rotWithShape="0">
-              <a:srgbClr val="000000">
-                <a:alpha val="35000"/>
-              </a:srgbClr>
-            </a:outerShdw>
-          </a:effectLst>
-        </a:effectStyle>
-        <a:effectStyle>
-          <a:effectLst>
-            <a:outerShdw blurRad="40000" dist="23000" dir="5400000" rotWithShape="0">
-              <a:srgbClr val="000000">
-                <a:alpha val="35000"/>
-              </a:srgbClr>
-            </a:outerShdw>
-          </a:effectLst>
-          <a:scene3d>
-            <a:camera prst="orthographicFront">
-              <a:rot lat="0" lon="0" rev="0"/>
-            </a:camera>
-            <a:lightRig rig="threePt" dir="t">
-              <a:rot lat="0" lon="0" rev="1200000"/>
-            </a:lightRig>
-          </a:scene3d>
-          <a:sp3d>
-            <a:bevelT w="63500" h="25400"/>
-          </a:sp3d>
-        </a:effectStyle>
-      </a:effectStyleLst>
-      <a:bgFillStyleLst>
-        <a:solidFill>
-          <a:schemeClr val="phClr"/>
-        </a:solidFill>
-        <a:gradFill rotWithShape="1">
-          <a:gsLst>
-            <a:gs pos="0">
-              <a:schemeClr val="phClr">
-                <a:tint val="40000"/>
-                <a:satMod val="350000"/>
-              </a:schemeClr>
-            </a:gs>
-            <a:gs pos="40000">
-              <a:schemeClr val="phClr">
-                <a:tint val="45000"/>
-                <a:shade val="99000"/>
-                <a:satMod val="350000"/>
-              </a:schemeClr>
-            </a:gs>
-            <a:gs pos="100000">
-              <a:schemeClr val="phClr">
-                <a:shade val="20000"/>
-                <a:satMod val="255000"/>
-              </a:schemeClr>
-            </a:gs>
-          </a:gsLst>
-          <a:path path="circle">
-            <a:fillToRect l="50000" t="-80000" r="50000" b="180000"/>
-          </a:path>
-        </a:gradFill>
-        <a:gradFill rotWithShape="1">
-          <a:gsLst>
-            <a:gs pos="0">
-              <a:schemeClr val="phClr">
-                <a:tint val="80000"/>
-                <a:satMod val="300000"/>
-              </a:schemeClr>
-            </a:gs>
-            <a:gs pos="100000">
-              <a:schemeClr val="phClr">
-                <a:shade val="30000"/>
-                <a:satMod val="200000"/>
-              </a:schemeClr>
-            </a:gs>
-          </a:gsLst>
-          <a:path path="circle">
-            <a:fillToRect l="50000" t="50000" r="50000" b="50000"/>
-          </a:path>
-        </a:gradFill>
-      </a:bgFillStyleLst>
-    </a:fmtScheme>
-  </a:themeElements>
-</a:theme>
 </file>